--- a/LJH_seminar_20260119.pptx
+++ b/LJH_seminar_20260119.pptx
@@ -225,7 +225,7 @@
           <a:p>
             <a:fld id="{A0FE4780-4742-4AF7-B9F6-29387D06C872}" type="datetimeFigureOut">
               <a:rPr lang="ko-KR" altLang="en-US" smtClean="0"/>
-              <a:t>2026-01-19</a:t>
+              <a:t>2026-01-21</a:t>
             </a:fld>
             <a:endParaRPr lang="ko-KR" altLang="en-US"/>
           </a:p>
@@ -8626,13 +8626,13 @@
   <p:clrMapOvr>
     <a:masterClrMapping/>
   </p:clrMapOvr>
-  <mc:AlternateContent xmlns:mc="http://schemas.openxmlformats.org/markup-compatibility/2006" xmlns:p159="http://schemas.microsoft.com/office/powerpoint/2015/09/main">
-    <mc:Choice Requires="p159">
+  <mc:AlternateContent xmlns:mc="http://schemas.openxmlformats.org/markup-compatibility/2006">
+    <mc:Choice xmlns:p159="http://schemas.microsoft.com/office/powerpoint/2015/09/main" xmlns="" Requires="p159">
       <p:transition xmlns:p14="http://schemas.microsoft.com/office/powerpoint/2010/main" spd="slow" p14:dur="2000">
         <p159:morph option="byObject"/>
       </p:transition>
     </mc:Choice>
-    <mc:Fallback xmlns="">
+    <mc:Fallback>
       <p:transition spd="slow">
         <p:fade/>
       </p:transition>
@@ -9121,13 +9121,13 @@
   <p:clrMapOvr>
     <a:masterClrMapping/>
   </p:clrMapOvr>
-  <mc:AlternateContent xmlns:mc="http://schemas.openxmlformats.org/markup-compatibility/2006" xmlns:p159="http://schemas.microsoft.com/office/powerpoint/2015/09/main">
-    <mc:Choice Requires="p159">
+  <mc:AlternateContent xmlns:mc="http://schemas.openxmlformats.org/markup-compatibility/2006">
+    <mc:Choice xmlns:p159="http://schemas.microsoft.com/office/powerpoint/2015/09/main" xmlns="" Requires="p159">
       <p:transition xmlns:p14="http://schemas.microsoft.com/office/powerpoint/2010/main" spd="slow" p14:dur="2000">
         <p159:morph option="byObject"/>
       </p:transition>
     </mc:Choice>
-    <mc:Fallback xmlns="">
+    <mc:Fallback>
       <p:transition spd="slow">
         <p:fade/>
       </p:transition>
@@ -10942,7 +10942,7 @@
           <a:blip r:embed="rId2">
             <a:extLst>
               <a:ext uri="{96DAC541-7B7A-43D3-8B79-37D633B846F1}">
-                <asvg:svgBlip xmlns:asvg="http://schemas.microsoft.com/office/drawing/2016/SVG/main" r:embed="rId3"/>
+                <asvg:svgBlip xmlns:asvg="http://schemas.microsoft.com/office/drawing/2016/SVG/main" xmlns="" r:embed="rId3"/>
               </a:ext>
             </a:extLst>
           </a:blip>
@@ -15143,7 +15143,7 @@
           </p:cNvPicPr>
           <p:nvPr/>
         </p:nvPicPr>
-        <p:blipFill>
+        <p:blipFill rotWithShape="1">
           <a:blip r:embed="rId2">
             <a:extLst>
               <a:ext uri="{28A0092B-C50C-407E-A947-70E740481C1C}">
@@ -15151,15 +15151,13 @@
               </a:ext>
             </a:extLst>
           </a:blip>
-          <a:srcRect/>
-          <a:stretch>
-            <a:fillRect/>
-          </a:stretch>
+          <a:srcRect t="3649" r="-1031" b="27276"/>
+          <a:stretch/>
         </p:blipFill>
         <p:spPr bwMode="auto">
           <a:xfrm>
-            <a:off x="759054" y="987574"/>
-            <a:ext cx="7625891" cy="3414440"/>
+            <a:off x="1043608" y="1275606"/>
+            <a:ext cx="7056784" cy="2160239"/>
           </a:xfrm>
           <a:prstGeom prst="rect">
             <a:avLst/>
@@ -15176,6 +15174,158 @@
           </a:extLst>
         </p:spPr>
       </p:pic>
+      <mc:AlternateContent xmlns:mc="http://schemas.openxmlformats.org/markup-compatibility/2006">
+        <mc:Choice xmlns:a14="http://schemas.microsoft.com/office/drawing/2010/main" Requires="a14">
+          <p:sp>
+            <p:nvSpPr>
+              <p:cNvPr id="4" name="직사각형 3"/>
+              <p:cNvSpPr/>
+              <p:nvPr/>
+            </p:nvSpPr>
+            <p:spPr>
+              <a:xfrm>
+                <a:off x="1079612" y="3651870"/>
+                <a:ext cx="6984776" cy="923330"/>
+              </a:xfrm>
+              <a:prstGeom prst="rect">
+                <a:avLst/>
+              </a:prstGeom>
+            </p:spPr>
+            <p:txBody>
+              <a:bodyPr wrap="square">
+                <a:spAutoFit/>
+              </a:bodyPr>
+              <a:lstStyle/>
+              <a:p>
+                <a:pPr/>
+                <a14:m>
+                  <m:oMath xmlns:m="http://schemas.openxmlformats.org/officeDocument/2006/math">
+                    <m:r>
+                      <a:rPr lang="en-US" altLang="ko-KR" b="0" i="1" dirty="0" smtClean="0">
+                        <a:solidFill>
+                          <a:srgbClr val="3D4144"/>
+                        </a:solidFill>
+                        <a:effectLst/>
+                        <a:latin typeface="Cambria Math" panose="02040503050406030204" pitchFamily="18" charset="0"/>
+                      </a:rPr>
+                      <m:t>𝑥</m:t>
+                    </m:r>
+                  </m:oMath>
+                </a14:m>
+                <a:r>
+                  <a:rPr lang="en-US" altLang="ko-KR" b="0" i="0" dirty="0" smtClean="0">
+                    <a:solidFill>
+                      <a:srgbClr val="3D4144"/>
+                    </a:solidFill>
+                    <a:effectLst/>
+                    <a:latin typeface="-apple-system"/>
+                  </a:rPr>
+                  <a:t>: input query</a:t>
+                </a:r>
+              </a:p>
+              <a:p>
+                <a:pPr/>
+                <a14:m>
+                  <m:oMath xmlns:m="http://schemas.openxmlformats.org/officeDocument/2006/math">
+                    <m:r>
+                      <a:rPr lang="en-US" altLang="ko-KR" b="0" i="1" smtClean="0">
+                        <a:solidFill>
+                          <a:srgbClr val="3D4144"/>
+                        </a:solidFill>
+                        <a:effectLst/>
+                        <a:latin typeface="Cambria Math" panose="02040503050406030204" pitchFamily="18" charset="0"/>
+                      </a:rPr>
+                      <m:t>𝑧</m:t>
+                    </m:r>
+                  </m:oMath>
+                </a14:m>
+                <a:r>
+                  <a:rPr lang="en-US" altLang="ko-KR" b="0" i="0" dirty="0" smtClean="0">
+                    <a:solidFill>
+                      <a:srgbClr val="3D4144"/>
+                    </a:solidFill>
+                    <a:effectLst/>
+                    <a:latin typeface="-apple-system"/>
+                  </a:rPr>
+                  <a:t>: text document</a:t>
+                </a:r>
+              </a:p>
+              <a:p>
+                <a:pPr/>
+                <a14:m>
+                  <m:oMath xmlns:m="http://schemas.openxmlformats.org/officeDocument/2006/math">
+                    <m:r>
+                      <a:rPr lang="en-US" altLang="ko-KR" b="0" i="1" smtClean="0">
+                        <a:solidFill>
+                          <a:srgbClr val="3D4144"/>
+                        </a:solidFill>
+                        <a:effectLst/>
+                        <a:latin typeface="Cambria Math" panose="02040503050406030204" pitchFamily="18" charset="0"/>
+                      </a:rPr>
+                      <m:t>𝑦</m:t>
+                    </m:r>
+                  </m:oMath>
+                </a14:m>
+                <a:r>
+                  <a:rPr lang="en-US" altLang="ko-KR" b="0" i="0" dirty="0" smtClean="0">
+                    <a:solidFill>
+                      <a:srgbClr val="3D4144"/>
+                    </a:solidFill>
+                    <a:effectLst/>
+                    <a:latin typeface="-apple-system"/>
+                  </a:rPr>
+                  <a:t>: answer sequence</a:t>
+                </a:r>
+                <a:endParaRPr lang="ko-KR" altLang="en-US" b="0" i="0" dirty="0">
+                  <a:solidFill>
+                    <a:srgbClr val="3D4144"/>
+                  </a:solidFill>
+                  <a:effectLst/>
+                  <a:latin typeface="-apple-system"/>
+                </a:endParaRPr>
+              </a:p>
+            </p:txBody>
+          </p:sp>
+        </mc:Choice>
+        <mc:Fallback>
+          <p:sp>
+            <p:nvSpPr>
+              <p:cNvPr id="4" name="직사각형 3"/>
+              <p:cNvSpPr>
+                <a:spLocks noRot="1" noChangeAspect="1" noMove="1" noResize="1" noEditPoints="1" noAdjustHandles="1" noChangeArrowheads="1" noChangeShapeType="1" noTextEdit="1"/>
+              </p:cNvSpPr>
+              <p:nvPr/>
+            </p:nvSpPr>
+            <p:spPr>
+              <a:xfrm>
+                <a:off x="1079612" y="3651870"/>
+                <a:ext cx="6984776" cy="923330"/>
+              </a:xfrm>
+              <a:prstGeom prst="rect">
+                <a:avLst/>
+              </a:prstGeom>
+              <a:blipFill>
+                <a:blip r:embed="rId3"/>
+                <a:stretch>
+                  <a:fillRect t="-3289" b="-9211"/>
+                </a:stretch>
+              </a:blipFill>
+            </p:spPr>
+            <p:txBody>
+              <a:bodyPr/>
+              <a:lstStyle/>
+              <a:p>
+                <a:r>
+                  <a:rPr lang="ko-KR" altLang="en-US">
+                    <a:noFill/>
+                  </a:rPr>
+                  <a:t> </a:t>
+                </a:r>
+              </a:p>
+            </p:txBody>
+          </p:sp>
+        </mc:Fallback>
+      </mc:AlternateContent>
     </p:spTree>
     <p:extLst>
       <p:ext uri="{BB962C8B-B14F-4D97-AF65-F5344CB8AC3E}">
@@ -15387,7 +15537,7 @@
           <a:lstStyle/>
           <a:p>
             <a:r>
-              <a:rPr lang="en-US" altLang="ko-KR">
+              <a:rPr lang="en-US" altLang="ko-KR" dirty="0" smtClean="0">
                 <a:solidFill>
                   <a:schemeClr val="tx1">
                     <a:lumMod val="75000"/>
@@ -15397,7 +15547,7 @@
                 <a:latin typeface="맑은 고딕" panose="020B0503020000020004" pitchFamily="50" charset="-127"/>
                 <a:ea typeface="맑은 고딕" panose="020B0503020000020004" pitchFamily="50" charset="-127"/>
               </a:rPr>
-              <a:t>Research Method</a:t>
+              <a:t>Method</a:t>
             </a:r>
             <a:endParaRPr lang="ko-KR" altLang="en-US" dirty="0">
               <a:solidFill>
@@ -15412,53 +15562,1445 @@
           </a:p>
         </p:txBody>
       </p:sp>
-      <p:pic>
-        <p:nvPicPr>
-          <p:cNvPr id="34" name="그림 33">
-            <a:extLst>
-              <a:ext uri="{FF2B5EF4-FFF2-40B4-BE49-F238E27FC236}">
-                <a16:creationId xmlns:a16="http://schemas.microsoft.com/office/drawing/2014/main" id="{B1A7866E-B1E3-7DDB-0E97-543A2B700213}"/>
-              </a:ext>
-            </a:extLst>
-          </p:cNvPr>
-          <p:cNvPicPr>
-            <a:picLocks noChangeAspect="1"/>
-          </p:cNvPicPr>
-          <p:nvPr/>
-        </p:nvPicPr>
-        <p:blipFill>
-          <a:blip r:embed="rId3"/>
-          <a:srcRect l="62999" b="-11032"/>
-          <a:stretch>
-            <a:fillRect/>
-          </a:stretch>
-        </p:blipFill>
-        <p:spPr>
-          <a:xfrm>
-            <a:off x="539552" y="1203598"/>
-            <a:ext cx="3383360" cy="3888432"/>
-          </a:xfrm>
-          <a:prstGeom prst="rect">
-            <a:avLst/>
-          </a:prstGeom>
-        </p:spPr>
-      </p:pic>
+      <mc:AlternateContent xmlns:mc="http://schemas.openxmlformats.org/markup-compatibility/2006">
+        <mc:Choice xmlns:a14="http://schemas.microsoft.com/office/drawing/2010/main" Requires="a14">
+          <p:sp>
+            <p:nvSpPr>
+              <p:cNvPr id="15" name="TextBox 14"/>
+              <p:cNvSpPr txBox="1"/>
+              <p:nvPr/>
+            </p:nvSpPr>
+            <p:spPr>
+              <a:xfrm>
+                <a:off x="395536" y="1779662"/>
+                <a:ext cx="7967502" cy="287515"/>
+              </a:xfrm>
+              <a:prstGeom prst="rect">
+                <a:avLst/>
+              </a:prstGeom>
+              <a:noFill/>
+            </p:spPr>
+            <p:txBody>
+              <a:bodyPr wrap="none" lIns="0" tIns="0" rIns="0" bIns="0" rtlCol="0">
+                <a:spAutoFit/>
+              </a:bodyPr>
+              <a:lstStyle/>
+              <a:p>
+                <a14:m>
+                  <m:oMath xmlns:m="http://schemas.openxmlformats.org/officeDocument/2006/math">
+                    <m:sSub>
+                      <m:sSubPr>
+                        <m:ctrlPr>
+                          <a:rPr lang="en-US" altLang="ko-KR" sz="1400" b="0" i="1" smtClean="0">
+                            <a:latin typeface="Cambria Math" panose="02040503050406030204" pitchFamily="18" charset="0"/>
+                          </a:rPr>
+                        </m:ctrlPr>
+                      </m:sSubPr>
+                      <m:e>
+                        <m:r>
+                          <a:rPr lang="en-US" altLang="ko-KR" sz="1400" b="0" i="1" smtClean="0">
+                            <a:latin typeface="Cambria Math" panose="02040503050406030204" pitchFamily="18" charset="0"/>
+                          </a:rPr>
+                          <m:t>𝑃</m:t>
+                        </m:r>
+                      </m:e>
+                      <m:sub>
+                        <m:r>
+                          <a:rPr lang="en-US" altLang="ko-KR" sz="1400" b="0" i="1" smtClean="0">
+                            <a:latin typeface="Cambria Math" panose="02040503050406030204" pitchFamily="18" charset="0"/>
+                          </a:rPr>
+                          <m:t>𝑅𝐴𝐺</m:t>
+                        </m:r>
+                        <m:r>
+                          <a:rPr lang="en-US" altLang="ko-KR" sz="1400" b="0" i="1" smtClean="0">
+                            <a:latin typeface="Cambria Math" panose="02040503050406030204" pitchFamily="18" charset="0"/>
+                          </a:rPr>
+                          <m:t>−</m:t>
+                        </m:r>
+                        <m:r>
+                          <a:rPr lang="en-US" altLang="ko-KR" sz="1400" b="0" i="1" smtClean="0">
+                            <a:latin typeface="Cambria Math" panose="02040503050406030204" pitchFamily="18" charset="0"/>
+                          </a:rPr>
+                          <m:t>𝑆𝑒𝑞𝑢𝑒𝑛𝑐𝑒</m:t>
+                        </m:r>
+                        <m:r>
+                          <a:rPr lang="en-US" altLang="ko-KR" sz="1400" b="0" i="1" smtClean="0">
+                            <a:latin typeface="Cambria Math" panose="02040503050406030204" pitchFamily="18" charset="0"/>
+                          </a:rPr>
+                          <m:t> </m:t>
+                        </m:r>
+                      </m:sub>
+                    </m:sSub>
+                    <m:r>
+                      <a:rPr lang="en-US" altLang="ko-KR" sz="1400" b="0" i="1" smtClean="0">
+                        <a:latin typeface="Cambria Math" panose="02040503050406030204" pitchFamily="18" charset="0"/>
+                      </a:rPr>
+                      <m:t>(</m:t>
+                    </m:r>
+                    <m:r>
+                      <a:rPr lang="en-US" altLang="ko-KR" sz="1400" b="0" i="1" smtClean="0">
+                        <a:latin typeface="Cambria Math" panose="02040503050406030204" pitchFamily="18" charset="0"/>
+                      </a:rPr>
+                      <m:t>𝑦</m:t>
+                    </m:r>
+                    <m:r>
+                      <a:rPr lang="en-US" altLang="ko-KR" sz="1400" b="0" i="1" smtClean="0">
+                        <a:latin typeface="Cambria Math" panose="02040503050406030204" pitchFamily="18" charset="0"/>
+                      </a:rPr>
+                      <m:t>|</m:t>
+                    </m:r>
+                    <m:r>
+                      <a:rPr lang="en-US" altLang="ko-KR" sz="1400" b="0" i="1" smtClean="0">
+                        <a:latin typeface="Cambria Math" panose="02040503050406030204" pitchFamily="18" charset="0"/>
+                      </a:rPr>
+                      <m:t>𝑥</m:t>
+                    </m:r>
+                    <m:r>
+                      <a:rPr lang="en-US" altLang="ko-KR" sz="1400" b="0" i="1" smtClean="0">
+                        <a:latin typeface="Cambria Math" panose="02040503050406030204" pitchFamily="18" charset="0"/>
+                      </a:rPr>
+                      <m:t>)≈</m:t>
+                    </m:r>
+                  </m:oMath>
+                </a14:m>
+                <a:r>
+                  <a:rPr lang="ko-KR" altLang="en-US" sz="1400" dirty="0" smtClean="0"/>
+                  <a:t> </a:t>
+                </a:r>
+                <a14:m>
+                  <m:oMath xmlns:m="http://schemas.openxmlformats.org/officeDocument/2006/math">
+                    <m:nary>
+                      <m:naryPr>
+                        <m:chr m:val="∑"/>
+                        <m:supHide m:val="on"/>
+                        <m:ctrlPr>
+                          <a:rPr lang="ko-KR" altLang="en-US" sz="1400" i="1" dirty="0" smtClean="0">
+                            <a:latin typeface="Cambria Math" panose="02040503050406030204" pitchFamily="18" charset="0"/>
+                          </a:rPr>
+                        </m:ctrlPr>
+                      </m:naryPr>
+                      <m:sub>
+                        <m:r>
+                          <m:rPr>
+                            <m:brk m:alnAt="7"/>
+                          </m:rPr>
+                          <a:rPr lang="en-US" altLang="ko-KR" sz="1400" b="0" i="1" dirty="0" smtClean="0">
+                            <a:latin typeface="Cambria Math" panose="02040503050406030204" pitchFamily="18" charset="0"/>
+                          </a:rPr>
+                          <m:t>𝑧</m:t>
+                        </m:r>
+                        <m:r>
+                          <a:rPr lang="en-US" altLang="ko-KR" sz="1400" b="0" i="1" dirty="0" smtClean="0">
+                            <a:latin typeface="Cambria Math" panose="02040503050406030204" pitchFamily="18" charset="0"/>
+                            <a:ea typeface="Cambria Math" panose="02040503050406030204" pitchFamily="18" charset="0"/>
+                          </a:rPr>
+                          <m:t>∈</m:t>
+                        </m:r>
+                        <m:r>
+                          <a:rPr lang="en-US" altLang="ko-KR" sz="1400" b="0" i="1" dirty="0" smtClean="0">
+                            <a:latin typeface="Cambria Math" panose="02040503050406030204" pitchFamily="18" charset="0"/>
+                            <a:ea typeface="Cambria Math" panose="02040503050406030204" pitchFamily="18" charset="0"/>
+                          </a:rPr>
+                          <m:t>𝑡𝑜𝑝</m:t>
+                        </m:r>
+                        <m:r>
+                          <a:rPr lang="en-US" altLang="ko-KR" sz="1400" b="0" i="1" dirty="0" smtClean="0">
+                            <a:latin typeface="Cambria Math" panose="02040503050406030204" pitchFamily="18" charset="0"/>
+                            <a:ea typeface="Cambria Math" panose="02040503050406030204" pitchFamily="18" charset="0"/>
+                          </a:rPr>
+                          <m:t>−</m:t>
+                        </m:r>
+                        <m:r>
+                          <a:rPr lang="en-US" altLang="ko-KR" sz="1400" b="0" i="1" dirty="0" smtClean="0">
+                            <a:latin typeface="Cambria Math" panose="02040503050406030204" pitchFamily="18" charset="0"/>
+                            <a:ea typeface="Cambria Math" panose="02040503050406030204" pitchFamily="18" charset="0"/>
+                          </a:rPr>
+                          <m:t>𝑘</m:t>
+                        </m:r>
+                        <m:d>
+                          <m:dPr>
+                            <m:ctrlPr>
+                              <a:rPr lang="en-US" altLang="ko-KR" sz="1400" b="0" i="1" dirty="0" smtClean="0">
+                                <a:latin typeface="Cambria Math" panose="02040503050406030204" pitchFamily="18" charset="0"/>
+                                <a:ea typeface="Cambria Math" panose="02040503050406030204" pitchFamily="18" charset="0"/>
+                              </a:rPr>
+                            </m:ctrlPr>
+                          </m:dPr>
+                          <m:e>
+                            <m:r>
+                              <m:rPr>
+                                <m:brk m:alnAt="7"/>
+                              </m:rPr>
+                              <a:rPr lang="en-US" altLang="ko-KR" sz="1400" b="0" i="1" dirty="0" smtClean="0">
+                                <a:latin typeface="Cambria Math" panose="02040503050406030204" pitchFamily="18" charset="0"/>
+                                <a:ea typeface="Cambria Math" panose="02040503050406030204" pitchFamily="18" charset="0"/>
+                              </a:rPr>
+                              <m:t>𝑝</m:t>
+                            </m:r>
+                            <m:d>
+                              <m:dPr>
+                                <m:ctrlPr>
+                                  <a:rPr lang="en-US" altLang="ko-KR" sz="1400" b="0" i="1" dirty="0" smtClean="0">
+                                    <a:latin typeface="Cambria Math" panose="02040503050406030204" pitchFamily="18" charset="0"/>
+                                    <a:ea typeface="Cambria Math" panose="02040503050406030204" pitchFamily="18" charset="0"/>
+                                  </a:rPr>
+                                </m:ctrlPr>
+                              </m:dPr>
+                              <m:e>
+                                <m:r>
+                                  <m:rPr>
+                                    <m:brk m:alnAt="7"/>
+                                  </m:rPr>
+                                  <a:rPr lang="en-US" altLang="ko-KR" sz="1400" b="0" i="1" dirty="0" smtClean="0">
+                                    <a:latin typeface="Cambria Math" panose="02040503050406030204" pitchFamily="18" charset="0"/>
+                                    <a:ea typeface="Cambria Math" panose="02040503050406030204" pitchFamily="18" charset="0"/>
+                                  </a:rPr>
+                                  <m:t>∙</m:t>
+                                </m:r>
+                              </m:e>
+                              <m:e>
+                                <m:r>
+                                  <m:rPr>
+                                    <m:brk m:alnAt="7"/>
+                                  </m:rPr>
+                                  <a:rPr lang="en-US" altLang="ko-KR" sz="1400" b="0" i="1" dirty="0" smtClean="0">
+                                    <a:latin typeface="Cambria Math" panose="02040503050406030204" pitchFamily="18" charset="0"/>
+                                    <a:ea typeface="Cambria Math" panose="02040503050406030204" pitchFamily="18" charset="0"/>
+                                  </a:rPr>
+                                  <m:t>𝑥</m:t>
+                                </m:r>
+                              </m:e>
+                            </m:d>
+                          </m:e>
+                        </m:d>
+                      </m:sub>
+                      <m:sup/>
+                      <m:e>
+                        <m:sSub>
+                          <m:sSubPr>
+                            <m:ctrlPr>
+                              <a:rPr lang="en-US" altLang="ko-KR" sz="1400" i="1" dirty="0" smtClean="0">
+                                <a:latin typeface="Cambria Math" panose="02040503050406030204" pitchFamily="18" charset="0"/>
+                              </a:rPr>
+                            </m:ctrlPr>
+                          </m:sSubPr>
+                          <m:e>
+                            <m:r>
+                              <a:rPr lang="en-US" altLang="ko-KR" sz="1400" b="0" i="1" dirty="0" smtClean="0">
+                                <a:latin typeface="Cambria Math" panose="02040503050406030204" pitchFamily="18" charset="0"/>
+                              </a:rPr>
+                              <m:t>𝑝</m:t>
+                            </m:r>
+                          </m:e>
+                          <m:sub>
+                            <m:r>
+                              <a:rPr lang="ko-KR" altLang="en-US" sz="1400" i="1" dirty="0" smtClean="0">
+                                <a:latin typeface="Cambria Math" panose="02040503050406030204" pitchFamily="18" charset="0"/>
+                              </a:rPr>
+                              <m:t>𝜂</m:t>
+                            </m:r>
+                          </m:sub>
+                        </m:sSub>
+                        <m:d>
+                          <m:dPr>
+                            <m:ctrlPr>
+                              <a:rPr lang="en-US" altLang="ko-KR" sz="1400" i="1" dirty="0">
+                                <a:latin typeface="Cambria Math" panose="02040503050406030204" pitchFamily="18" charset="0"/>
+                              </a:rPr>
+                            </m:ctrlPr>
+                          </m:dPr>
+                          <m:e>
+                            <m:r>
+                              <a:rPr lang="en-US" altLang="ko-KR" sz="1400" i="1" dirty="0">
+                                <a:latin typeface="Cambria Math" panose="02040503050406030204" pitchFamily="18" charset="0"/>
+                              </a:rPr>
+                              <m:t>𝑧</m:t>
+                            </m:r>
+                          </m:e>
+                          <m:e>
+                            <m:r>
+                              <a:rPr lang="en-US" altLang="ko-KR" sz="1400" i="1" dirty="0">
+                                <a:latin typeface="Cambria Math" panose="02040503050406030204" pitchFamily="18" charset="0"/>
+                              </a:rPr>
+                              <m:t>𝑥</m:t>
+                            </m:r>
+                          </m:e>
+                        </m:d>
+                      </m:e>
+                    </m:nary>
+                    <m:sSub>
+                      <m:sSubPr>
+                        <m:ctrlPr>
+                          <a:rPr lang="en-US" altLang="ko-KR" sz="1400" b="0" i="1" dirty="0" smtClean="0">
+                            <a:latin typeface="Cambria Math" panose="02040503050406030204" pitchFamily="18" charset="0"/>
+                          </a:rPr>
+                        </m:ctrlPr>
+                      </m:sSubPr>
+                      <m:e>
+                        <m:r>
+                          <a:rPr lang="en-US" altLang="ko-KR" sz="1400" b="0" i="1" dirty="0" smtClean="0">
+                            <a:latin typeface="Cambria Math" panose="02040503050406030204" pitchFamily="18" charset="0"/>
+                          </a:rPr>
+                          <m:t>𝑝</m:t>
+                        </m:r>
+                      </m:e>
+                      <m:sub>
+                        <m:r>
+                          <a:rPr lang="ko-KR" altLang="en-US" sz="1400" b="0" i="1" dirty="0" smtClean="0">
+                            <a:latin typeface="Cambria Math" panose="02040503050406030204" pitchFamily="18" charset="0"/>
+                          </a:rPr>
+                          <m:t>𝜃</m:t>
+                        </m:r>
+                      </m:sub>
+                    </m:sSub>
+                    <m:d>
+                      <m:dPr>
+                        <m:ctrlPr>
+                          <a:rPr lang="en-US" altLang="ko-KR" sz="1400" b="0" i="1" dirty="0" smtClean="0">
+                            <a:latin typeface="Cambria Math" panose="02040503050406030204" pitchFamily="18" charset="0"/>
+                          </a:rPr>
+                        </m:ctrlPr>
+                      </m:dPr>
+                      <m:e>
+                        <m:r>
+                          <a:rPr lang="en-US" altLang="ko-KR" sz="1400" b="0" i="1" dirty="0" smtClean="0">
+                            <a:latin typeface="Cambria Math" panose="02040503050406030204" pitchFamily="18" charset="0"/>
+                          </a:rPr>
+                          <m:t>𝑦</m:t>
+                        </m:r>
+                      </m:e>
+                      <m:e>
+                        <m:r>
+                          <a:rPr lang="en-US" altLang="ko-KR" sz="1400" b="0" i="1" dirty="0" smtClean="0">
+                            <a:latin typeface="Cambria Math" panose="02040503050406030204" pitchFamily="18" charset="0"/>
+                          </a:rPr>
+                          <m:t>𝑥</m:t>
+                        </m:r>
+                        <m:r>
+                          <a:rPr lang="en-US" altLang="ko-KR" sz="1400" b="0" i="1" dirty="0" smtClean="0">
+                            <a:latin typeface="Cambria Math" panose="02040503050406030204" pitchFamily="18" charset="0"/>
+                          </a:rPr>
+                          <m:t>,</m:t>
+                        </m:r>
+                        <m:r>
+                          <a:rPr lang="en-US" altLang="ko-KR" sz="1400" b="0" i="1" dirty="0" smtClean="0">
+                            <a:latin typeface="Cambria Math" panose="02040503050406030204" pitchFamily="18" charset="0"/>
+                          </a:rPr>
+                          <m:t>𝑧</m:t>
+                        </m:r>
+                      </m:e>
+                    </m:d>
+                    <m:r>
+                      <a:rPr lang="en-US" altLang="ko-KR" sz="1400" b="0" i="1" dirty="0" smtClean="0">
+                        <a:latin typeface="Cambria Math" panose="02040503050406030204" pitchFamily="18" charset="0"/>
+                      </a:rPr>
+                      <m:t>=</m:t>
+                    </m:r>
+                    <m:nary>
+                      <m:naryPr>
+                        <m:chr m:val="∑"/>
+                        <m:supHide m:val="on"/>
+                        <m:ctrlPr>
+                          <a:rPr lang="ko-KR" altLang="en-US" sz="1400" i="1" dirty="0">
+                            <a:latin typeface="Cambria Math" panose="02040503050406030204" pitchFamily="18" charset="0"/>
+                          </a:rPr>
+                        </m:ctrlPr>
+                      </m:naryPr>
+                      <m:sub>
+                        <m:r>
+                          <a:rPr lang="en-US" altLang="ko-KR" sz="1400" b="0" i="1" dirty="0" smtClean="0">
+                            <a:latin typeface="Cambria Math" panose="02040503050406030204" pitchFamily="18" charset="0"/>
+                          </a:rPr>
+                          <m:t>𝑧</m:t>
+                        </m:r>
+                        <m:r>
+                          <a:rPr lang="en-US" altLang="ko-KR" sz="1400" i="1" dirty="0">
+                            <a:latin typeface="Cambria Math" panose="02040503050406030204" pitchFamily="18" charset="0"/>
+                            <a:ea typeface="Cambria Math" panose="02040503050406030204" pitchFamily="18" charset="0"/>
+                          </a:rPr>
+                          <m:t>∈</m:t>
+                        </m:r>
+                        <m:r>
+                          <a:rPr lang="en-US" altLang="ko-KR" sz="1400" i="1" dirty="0">
+                            <a:latin typeface="Cambria Math" panose="02040503050406030204" pitchFamily="18" charset="0"/>
+                            <a:ea typeface="Cambria Math" panose="02040503050406030204" pitchFamily="18" charset="0"/>
+                          </a:rPr>
+                          <m:t>𝑡𝑜𝑝</m:t>
+                        </m:r>
+                        <m:r>
+                          <a:rPr lang="en-US" altLang="ko-KR" sz="1400" i="1" dirty="0" smtClean="0">
+                            <a:latin typeface="Cambria Math" panose="02040503050406030204" pitchFamily="18" charset="0"/>
+                            <a:ea typeface="Cambria Math" panose="02040503050406030204" pitchFamily="18" charset="0"/>
+                          </a:rPr>
+                          <m:t>­</m:t>
+                        </m:r>
+                        <m:r>
+                          <a:rPr lang="en-US" altLang="ko-KR" sz="1400" b="0" i="1" dirty="0" smtClean="0">
+                            <a:latin typeface="Cambria Math" panose="02040503050406030204" pitchFamily="18" charset="0"/>
+                            <a:ea typeface="Cambria Math" panose="02040503050406030204" pitchFamily="18" charset="0"/>
+                          </a:rPr>
+                          <m:t>−­­­­­</m:t>
+                        </m:r>
+                        <m:r>
+                          <a:rPr lang="en-US" altLang="ko-KR" sz="1400" i="1" dirty="0">
+                            <a:latin typeface="Cambria Math" panose="02040503050406030204" pitchFamily="18" charset="0"/>
+                            <a:ea typeface="Cambria Math" panose="02040503050406030204" pitchFamily="18" charset="0"/>
+                          </a:rPr>
+                          <m:t>𝑘</m:t>
+                        </m:r>
+                        <m:d>
+                          <m:dPr>
+                            <m:ctrlPr>
+                              <a:rPr lang="en-US" altLang="ko-KR" sz="1400" i="1" dirty="0">
+                                <a:latin typeface="Cambria Math" panose="02040503050406030204" pitchFamily="18" charset="0"/>
+                                <a:ea typeface="Cambria Math" panose="02040503050406030204" pitchFamily="18" charset="0"/>
+                              </a:rPr>
+                            </m:ctrlPr>
+                          </m:dPr>
+                          <m:e>
+                            <m:r>
+                              <m:rPr>
+                                <m:brk m:alnAt="7"/>
+                              </m:rPr>
+                              <a:rPr lang="en-US" altLang="ko-KR" sz="1400" i="1" dirty="0">
+                                <a:latin typeface="Cambria Math" panose="02040503050406030204" pitchFamily="18" charset="0"/>
+                                <a:ea typeface="Cambria Math" panose="02040503050406030204" pitchFamily="18" charset="0"/>
+                              </a:rPr>
+                              <m:t>𝑝</m:t>
+                            </m:r>
+                            <m:d>
+                              <m:dPr>
+                                <m:ctrlPr>
+                                  <a:rPr lang="en-US" altLang="ko-KR" sz="1400" i="1" dirty="0">
+                                    <a:latin typeface="Cambria Math" panose="02040503050406030204" pitchFamily="18" charset="0"/>
+                                    <a:ea typeface="Cambria Math" panose="02040503050406030204" pitchFamily="18" charset="0"/>
+                                  </a:rPr>
+                                </m:ctrlPr>
+                              </m:dPr>
+                              <m:e>
+                                <m:r>
+                                  <m:rPr>
+                                    <m:brk m:alnAt="7"/>
+                                  </m:rPr>
+                                  <a:rPr lang="en-US" altLang="ko-KR" sz="1400" i="1" dirty="0">
+                                    <a:latin typeface="Cambria Math" panose="02040503050406030204" pitchFamily="18" charset="0"/>
+                                    <a:ea typeface="Cambria Math" panose="02040503050406030204" pitchFamily="18" charset="0"/>
+                                  </a:rPr>
+                                  <m:t>∙</m:t>
+                                </m:r>
+                              </m:e>
+                              <m:e>
+                                <m:r>
+                                  <m:rPr>
+                                    <m:brk m:alnAt="7"/>
+                                  </m:rPr>
+                                  <a:rPr lang="en-US" altLang="ko-KR" sz="1400" i="1" dirty="0">
+                                    <a:latin typeface="Cambria Math" panose="02040503050406030204" pitchFamily="18" charset="0"/>
+                                    <a:ea typeface="Cambria Math" panose="02040503050406030204" pitchFamily="18" charset="0"/>
+                                  </a:rPr>
+                                  <m:t>𝑥</m:t>
+                                </m:r>
+                              </m:e>
+                            </m:d>
+                          </m:e>
+                        </m:d>
+                      </m:sub>
+                      <m:sup/>
+                      <m:e>
+                        <m:sSub>
+                          <m:sSubPr>
+                            <m:ctrlPr>
+                              <a:rPr lang="en-US" altLang="ko-KR" sz="1400" i="1" dirty="0">
+                                <a:latin typeface="Cambria Math" panose="02040503050406030204" pitchFamily="18" charset="0"/>
+                              </a:rPr>
+                            </m:ctrlPr>
+                          </m:sSubPr>
+                          <m:e>
+                            <m:r>
+                              <a:rPr lang="en-US" altLang="ko-KR" sz="1400" i="1" dirty="0">
+                                <a:latin typeface="Cambria Math" panose="02040503050406030204" pitchFamily="18" charset="0"/>
+                              </a:rPr>
+                              <m:t>𝑝</m:t>
+                            </m:r>
+                          </m:e>
+                          <m:sub>
+                            <m:r>
+                              <a:rPr lang="ko-KR" altLang="en-US" sz="1400" i="1" dirty="0">
+                                <a:latin typeface="Cambria Math" panose="02040503050406030204" pitchFamily="18" charset="0"/>
+                              </a:rPr>
+                              <m:t>𝜂</m:t>
+                            </m:r>
+                          </m:sub>
+                        </m:sSub>
+                      </m:e>
+                    </m:nary>
+                    <m:d>
+                      <m:dPr>
+                        <m:ctrlPr>
+                          <a:rPr lang="en-US" altLang="ko-KR" sz="1400" i="1" dirty="0">
+                            <a:latin typeface="Cambria Math" panose="02040503050406030204" pitchFamily="18" charset="0"/>
+                          </a:rPr>
+                        </m:ctrlPr>
+                      </m:dPr>
+                      <m:e>
+                        <m:r>
+                          <a:rPr lang="en-US" altLang="ko-KR" sz="1400" i="1" dirty="0">
+                            <a:latin typeface="Cambria Math" panose="02040503050406030204" pitchFamily="18" charset="0"/>
+                          </a:rPr>
+                          <m:t>𝑧</m:t>
+                        </m:r>
+                      </m:e>
+                      <m:e>
+                        <m:r>
+                          <a:rPr lang="en-US" altLang="ko-KR" sz="1400" i="1" dirty="0">
+                            <a:latin typeface="Cambria Math" panose="02040503050406030204" pitchFamily="18" charset="0"/>
+                          </a:rPr>
+                          <m:t>𝑥</m:t>
+                        </m:r>
+                      </m:e>
+                    </m:d>
+                    <m:nary>
+                      <m:naryPr>
+                        <m:chr m:val="∏"/>
+                        <m:ctrlPr>
+                          <a:rPr lang="en-US" altLang="ko-KR" sz="1400" i="1" dirty="0" smtClean="0">
+                            <a:latin typeface="Cambria Math" panose="02040503050406030204" pitchFamily="18" charset="0"/>
+                          </a:rPr>
+                        </m:ctrlPr>
+                      </m:naryPr>
+                      <m:sub>
+                        <m:r>
+                          <m:rPr>
+                            <m:brk m:alnAt="23"/>
+                          </m:rPr>
+                          <a:rPr lang="en-US" altLang="ko-KR" sz="1400" b="0" i="1" dirty="0" smtClean="0">
+                            <a:latin typeface="Cambria Math" panose="02040503050406030204" pitchFamily="18" charset="0"/>
+                          </a:rPr>
+                          <m:t>𝑖</m:t>
+                        </m:r>
+                      </m:sub>
+                      <m:sup>
+                        <m:r>
+                          <a:rPr lang="en-US" altLang="ko-KR" sz="1400" b="0" i="1" dirty="0" smtClean="0">
+                            <a:latin typeface="Cambria Math" panose="02040503050406030204" pitchFamily="18" charset="0"/>
+                          </a:rPr>
+                          <m:t>𝑁</m:t>
+                        </m:r>
+                      </m:sup>
+                      <m:e>
+                        <m:sSub>
+                          <m:sSubPr>
+                            <m:ctrlPr>
+                              <a:rPr lang="en-US" altLang="ko-KR" sz="1400" i="1" dirty="0">
+                                <a:latin typeface="Cambria Math" panose="02040503050406030204" pitchFamily="18" charset="0"/>
+                              </a:rPr>
+                            </m:ctrlPr>
+                          </m:sSubPr>
+                          <m:e>
+                            <m:r>
+                              <a:rPr lang="en-US" altLang="ko-KR" sz="1400" i="1" dirty="0">
+                                <a:latin typeface="Cambria Math" panose="02040503050406030204" pitchFamily="18" charset="0"/>
+                              </a:rPr>
+                              <m:t>𝑝</m:t>
+                            </m:r>
+                          </m:e>
+                          <m:sub>
+                            <m:r>
+                              <a:rPr lang="ko-KR" altLang="en-US" sz="1400" i="1" dirty="0">
+                                <a:latin typeface="Cambria Math" panose="02040503050406030204" pitchFamily="18" charset="0"/>
+                              </a:rPr>
+                              <m:t>𝜃</m:t>
+                            </m:r>
+                          </m:sub>
+                        </m:sSub>
+                        <m:d>
+                          <m:dPr>
+                            <m:ctrlPr>
+                              <a:rPr lang="en-US" altLang="ko-KR" sz="1400" i="1" dirty="0" smtClean="0">
+                                <a:latin typeface="Cambria Math" panose="02040503050406030204" pitchFamily="18" charset="0"/>
+                              </a:rPr>
+                            </m:ctrlPr>
+                          </m:dPr>
+                          <m:e>
+                            <m:sSub>
+                              <m:sSubPr>
+                                <m:ctrlPr>
+                                  <a:rPr lang="en-US" altLang="ko-KR" sz="1400" i="1" dirty="0" smtClean="0">
+                                    <a:latin typeface="Cambria Math" panose="02040503050406030204" pitchFamily="18" charset="0"/>
+                                  </a:rPr>
+                                </m:ctrlPr>
+                              </m:sSubPr>
+                              <m:e>
+                                <m:r>
+                                  <a:rPr lang="en-US" altLang="ko-KR" sz="1400" b="0" i="1" dirty="0" smtClean="0">
+                                    <a:latin typeface="Cambria Math" panose="02040503050406030204" pitchFamily="18" charset="0"/>
+                                  </a:rPr>
+                                  <m:t>𝑦</m:t>
+                                </m:r>
+                              </m:e>
+                              <m:sub>
+                                <m:r>
+                                  <a:rPr lang="en-US" altLang="ko-KR" sz="1400" b="0" i="1" dirty="0" smtClean="0">
+                                    <a:latin typeface="Cambria Math" panose="02040503050406030204" pitchFamily="18" charset="0"/>
+                                  </a:rPr>
+                                  <m:t>𝑖</m:t>
+                                </m:r>
+                              </m:sub>
+                            </m:sSub>
+                          </m:e>
+                          <m:e>
+                            <m:r>
+                              <a:rPr lang="en-US" altLang="ko-KR" sz="1400" i="1" dirty="0">
+                                <a:latin typeface="Cambria Math" panose="02040503050406030204" pitchFamily="18" charset="0"/>
+                              </a:rPr>
+                              <m:t>𝑥</m:t>
+                            </m:r>
+                            <m:r>
+                              <a:rPr lang="en-US" altLang="ko-KR" sz="1400" i="1" dirty="0">
+                                <a:latin typeface="Cambria Math" panose="02040503050406030204" pitchFamily="18" charset="0"/>
+                              </a:rPr>
+                              <m:t>,</m:t>
+                            </m:r>
+                            <m:r>
+                              <a:rPr lang="en-US" altLang="ko-KR" sz="1400" i="1" dirty="0">
+                                <a:latin typeface="Cambria Math" panose="02040503050406030204" pitchFamily="18" charset="0"/>
+                              </a:rPr>
+                              <m:t>𝑧</m:t>
+                            </m:r>
+                            <m:r>
+                              <a:rPr lang="en-US" altLang="ko-KR" sz="1400" b="0" i="1" dirty="0" smtClean="0">
+                                <a:latin typeface="Cambria Math" panose="02040503050406030204" pitchFamily="18" charset="0"/>
+                              </a:rPr>
+                              <m:t>,</m:t>
+                            </m:r>
+                            <m:sSub>
+                              <m:sSubPr>
+                                <m:ctrlPr>
+                                  <a:rPr lang="en-US" altLang="ko-KR" sz="1400" b="0" i="1" dirty="0" smtClean="0">
+                                    <a:latin typeface="Cambria Math" panose="02040503050406030204" pitchFamily="18" charset="0"/>
+                                  </a:rPr>
+                                </m:ctrlPr>
+                              </m:sSubPr>
+                              <m:e>
+                                <m:r>
+                                  <a:rPr lang="en-US" altLang="ko-KR" sz="1400" b="0" i="1" dirty="0" smtClean="0">
+                                    <a:latin typeface="Cambria Math" panose="02040503050406030204" pitchFamily="18" charset="0"/>
+                                  </a:rPr>
+                                  <m:t>𝑦</m:t>
+                                </m:r>
+                              </m:e>
+                              <m:sub>
+                                <m:r>
+                                  <a:rPr lang="en-US" altLang="ko-KR" sz="1400" b="0" i="1" dirty="0" smtClean="0">
+                                    <a:latin typeface="Cambria Math" panose="02040503050406030204" pitchFamily="18" charset="0"/>
+                                  </a:rPr>
+                                  <m:t>1:</m:t>
+                                </m:r>
+                                <m:r>
+                                  <a:rPr lang="en-US" altLang="ko-KR" sz="1400" b="0" i="1" dirty="0" smtClean="0">
+                                    <a:latin typeface="Cambria Math" panose="02040503050406030204" pitchFamily="18" charset="0"/>
+                                  </a:rPr>
+                                  <m:t>𝑖</m:t>
+                                </m:r>
+                                <m:r>
+                                  <a:rPr lang="en-US" altLang="ko-KR" sz="1400" b="0" i="1" dirty="0" smtClean="0">
+                                    <a:latin typeface="Cambria Math" panose="02040503050406030204" pitchFamily="18" charset="0"/>
+                                  </a:rPr>
+                                  <m:t>−1</m:t>
+                                </m:r>
+                              </m:sub>
+                            </m:sSub>
+                          </m:e>
+                        </m:d>
+                      </m:e>
+                    </m:nary>
+                  </m:oMath>
+                </a14:m>
+                <a:endParaRPr lang="ko-KR" altLang="en-US" sz="1400" dirty="0"/>
+              </a:p>
+            </p:txBody>
+          </p:sp>
+        </mc:Choice>
+        <mc:Fallback>
+          <p:sp>
+            <p:nvSpPr>
+              <p:cNvPr id="15" name="TextBox 14"/>
+              <p:cNvSpPr txBox="1">
+                <a:spLocks noRot="1" noChangeAspect="1" noMove="1" noResize="1" noEditPoints="1" noAdjustHandles="1" noChangeArrowheads="1" noChangeShapeType="1" noTextEdit="1"/>
+              </p:cNvSpPr>
+              <p:nvPr/>
+            </p:nvSpPr>
+            <p:spPr>
+              <a:xfrm>
+                <a:off x="395536" y="1779662"/>
+                <a:ext cx="7967502" cy="287515"/>
+              </a:xfrm>
+              <a:prstGeom prst="rect">
+                <a:avLst/>
+              </a:prstGeom>
+              <a:blipFill>
+                <a:blip r:embed="rId3"/>
+                <a:stretch>
+                  <a:fillRect l="-765" t="-121277" b="-168085"/>
+                </a:stretch>
+              </a:blipFill>
+            </p:spPr>
+            <p:txBody>
+              <a:bodyPr/>
+              <a:lstStyle/>
+              <a:p>
+                <a:r>
+                  <a:rPr lang="ko-KR" altLang="en-US">
+                    <a:noFill/>
+                  </a:rPr>
+                  <a:t> </a:t>
+                </a:r>
+              </a:p>
+            </p:txBody>
+          </p:sp>
+        </mc:Fallback>
+      </mc:AlternateContent>
+      <mc:AlternateContent xmlns:mc="http://schemas.openxmlformats.org/markup-compatibility/2006">
+        <mc:Choice xmlns:a14="http://schemas.microsoft.com/office/drawing/2010/main" Requires="a14">
+          <p:sp>
+            <p:nvSpPr>
+              <p:cNvPr id="20" name="TextBox 19"/>
+              <p:cNvSpPr txBox="1"/>
+              <p:nvPr/>
+            </p:nvSpPr>
+            <p:spPr>
+              <a:xfrm>
+                <a:off x="395536" y="2356501"/>
+                <a:ext cx="4918975" cy="287515"/>
+              </a:xfrm>
+              <a:prstGeom prst="rect">
+                <a:avLst/>
+              </a:prstGeom>
+              <a:noFill/>
+            </p:spPr>
+            <p:txBody>
+              <a:bodyPr wrap="none" lIns="0" tIns="0" rIns="0" bIns="0" rtlCol="0">
+                <a:spAutoFit/>
+              </a:bodyPr>
+              <a:lstStyle/>
+              <a:p>
+                <a14:m>
+                  <m:oMath xmlns:m="http://schemas.openxmlformats.org/officeDocument/2006/math">
+                    <m:sSub>
+                      <m:sSubPr>
+                        <m:ctrlPr>
+                          <a:rPr lang="en-US" altLang="ko-KR" sz="1400" b="0" i="1" smtClean="0">
+                            <a:latin typeface="Cambria Math" panose="02040503050406030204" pitchFamily="18" charset="0"/>
+                          </a:rPr>
+                        </m:ctrlPr>
+                      </m:sSubPr>
+                      <m:e>
+                        <m:r>
+                          <a:rPr lang="en-US" altLang="ko-KR" sz="1400" b="0" i="1" smtClean="0">
+                            <a:latin typeface="Cambria Math" panose="02040503050406030204" pitchFamily="18" charset="0"/>
+                          </a:rPr>
+                          <m:t>𝑃</m:t>
+                        </m:r>
+                      </m:e>
+                      <m:sub>
+                        <m:r>
+                          <a:rPr lang="en-US" altLang="ko-KR" sz="1400" b="0" i="1" smtClean="0">
+                            <a:latin typeface="Cambria Math" panose="02040503050406030204" pitchFamily="18" charset="0"/>
+                          </a:rPr>
+                          <m:t>𝑅𝐴𝐺</m:t>
+                        </m:r>
+                        <m:r>
+                          <a:rPr lang="en-US" altLang="ko-KR" sz="1400" b="0" i="1" smtClean="0">
+                            <a:latin typeface="Cambria Math" panose="02040503050406030204" pitchFamily="18" charset="0"/>
+                          </a:rPr>
+                          <m:t>−</m:t>
+                        </m:r>
+                        <m:r>
+                          <a:rPr lang="en-US" altLang="ko-KR" sz="1400" b="0" i="1" smtClean="0">
+                            <a:latin typeface="Cambria Math" panose="02040503050406030204" pitchFamily="18" charset="0"/>
+                          </a:rPr>
+                          <m:t>𝑇𝑜𝑘𝑒𝑛</m:t>
+                        </m:r>
+                        <m:r>
+                          <a:rPr lang="en-US" altLang="ko-KR" sz="1400" b="0" i="1" smtClean="0">
+                            <a:latin typeface="Cambria Math" panose="02040503050406030204" pitchFamily="18" charset="0"/>
+                          </a:rPr>
+                          <m:t> </m:t>
+                        </m:r>
+                      </m:sub>
+                    </m:sSub>
+                    <m:r>
+                      <a:rPr lang="en-US" altLang="ko-KR" sz="1400" b="0" i="1" smtClean="0">
+                        <a:latin typeface="Cambria Math" panose="02040503050406030204" pitchFamily="18" charset="0"/>
+                      </a:rPr>
+                      <m:t>(</m:t>
+                    </m:r>
+                    <m:r>
+                      <a:rPr lang="en-US" altLang="ko-KR" sz="1400" b="0" i="1" smtClean="0">
+                        <a:latin typeface="Cambria Math" panose="02040503050406030204" pitchFamily="18" charset="0"/>
+                      </a:rPr>
+                      <m:t>𝑦</m:t>
+                    </m:r>
+                    <m:r>
+                      <a:rPr lang="en-US" altLang="ko-KR" sz="1400" b="0" i="1" smtClean="0">
+                        <a:latin typeface="Cambria Math" panose="02040503050406030204" pitchFamily="18" charset="0"/>
+                      </a:rPr>
+                      <m:t>|</m:t>
+                    </m:r>
+                    <m:r>
+                      <a:rPr lang="en-US" altLang="ko-KR" sz="1400" b="0" i="1" smtClean="0">
+                        <a:latin typeface="Cambria Math" panose="02040503050406030204" pitchFamily="18" charset="0"/>
+                      </a:rPr>
+                      <m:t>𝑥</m:t>
+                    </m:r>
+                    <m:r>
+                      <a:rPr lang="en-US" altLang="ko-KR" sz="1400" b="0" i="1" smtClean="0">
+                        <a:latin typeface="Cambria Math" panose="02040503050406030204" pitchFamily="18" charset="0"/>
+                      </a:rPr>
+                      <m:t>)≈</m:t>
+                    </m:r>
+                  </m:oMath>
+                </a14:m>
+                <a:r>
+                  <a:rPr lang="ko-KR" altLang="en-US" sz="1400" dirty="0" smtClean="0"/>
+                  <a:t> </a:t>
+                </a:r>
+                <a14:m>
+                  <m:oMath xmlns:m="http://schemas.openxmlformats.org/officeDocument/2006/math">
+                    <m:nary>
+                      <m:naryPr>
+                        <m:chr m:val="∏"/>
+                        <m:ctrlPr>
+                          <a:rPr lang="ko-KR" altLang="en-US" sz="1400" i="1" dirty="0" smtClean="0">
+                            <a:latin typeface="Cambria Math" panose="02040503050406030204" pitchFamily="18" charset="0"/>
+                          </a:rPr>
+                        </m:ctrlPr>
+                      </m:naryPr>
+                      <m:sub>
+                        <m:r>
+                          <m:rPr>
+                            <m:brk m:alnAt="23"/>
+                          </m:rPr>
+                          <a:rPr lang="en-US" altLang="ko-KR" sz="1400" b="0" i="1" dirty="0" smtClean="0">
+                            <a:latin typeface="Cambria Math" panose="02040503050406030204" pitchFamily="18" charset="0"/>
+                          </a:rPr>
+                          <m:t>𝑖</m:t>
+                        </m:r>
+                      </m:sub>
+                      <m:sup>
+                        <m:r>
+                          <a:rPr lang="en-US" altLang="ko-KR" sz="1400" b="0" i="1" dirty="0" smtClean="0">
+                            <a:latin typeface="Cambria Math" panose="02040503050406030204" pitchFamily="18" charset="0"/>
+                          </a:rPr>
+                          <m:t>𝑁</m:t>
+                        </m:r>
+                      </m:sup>
+                      <m:e>
+                        <m:nary>
+                          <m:naryPr>
+                            <m:chr m:val="∑"/>
+                            <m:supHide m:val="on"/>
+                            <m:ctrlPr>
+                              <a:rPr lang="ko-KR" altLang="en-US" sz="1400" i="1" dirty="0">
+                                <a:latin typeface="Cambria Math" panose="02040503050406030204" pitchFamily="18" charset="0"/>
+                              </a:rPr>
+                            </m:ctrlPr>
+                          </m:naryPr>
+                          <m:sub>
+                            <m:r>
+                              <a:rPr lang="en-US" altLang="ko-KR" sz="1400" i="1" dirty="0">
+                                <a:latin typeface="Cambria Math" panose="02040503050406030204" pitchFamily="18" charset="0"/>
+                              </a:rPr>
+                              <m:t>𝑧</m:t>
+                            </m:r>
+                            <m:r>
+                              <a:rPr lang="en-US" altLang="ko-KR" sz="1400" i="1" dirty="0">
+                                <a:latin typeface="Cambria Math" panose="02040503050406030204" pitchFamily="18" charset="0"/>
+                                <a:ea typeface="Cambria Math" panose="02040503050406030204" pitchFamily="18" charset="0"/>
+                              </a:rPr>
+                              <m:t>∈</m:t>
+                            </m:r>
+                            <m:r>
+                              <a:rPr lang="en-US" altLang="ko-KR" sz="1400" i="1" dirty="0">
+                                <a:latin typeface="Cambria Math" panose="02040503050406030204" pitchFamily="18" charset="0"/>
+                                <a:ea typeface="Cambria Math" panose="02040503050406030204" pitchFamily="18" charset="0"/>
+                              </a:rPr>
+                              <m:t>𝑡𝑜𝑝</m:t>
+                            </m:r>
+                            <m:r>
+                              <a:rPr lang="en-US" altLang="ko-KR" sz="1400" i="1" dirty="0">
+                                <a:latin typeface="Cambria Math" panose="02040503050406030204" pitchFamily="18" charset="0"/>
+                                <a:ea typeface="Cambria Math" panose="02040503050406030204" pitchFamily="18" charset="0"/>
+                              </a:rPr>
+                              <m:t>­−­­­­­</m:t>
+                            </m:r>
+                            <m:r>
+                              <a:rPr lang="en-US" altLang="ko-KR" sz="1400" i="1" dirty="0">
+                                <a:latin typeface="Cambria Math" panose="02040503050406030204" pitchFamily="18" charset="0"/>
+                                <a:ea typeface="Cambria Math" panose="02040503050406030204" pitchFamily="18" charset="0"/>
+                              </a:rPr>
+                              <m:t>𝑘</m:t>
+                            </m:r>
+                            <m:d>
+                              <m:dPr>
+                                <m:ctrlPr>
+                                  <a:rPr lang="en-US" altLang="ko-KR" sz="1400" i="1" dirty="0">
+                                    <a:latin typeface="Cambria Math" panose="02040503050406030204" pitchFamily="18" charset="0"/>
+                                    <a:ea typeface="Cambria Math" panose="02040503050406030204" pitchFamily="18" charset="0"/>
+                                  </a:rPr>
+                                </m:ctrlPr>
+                              </m:dPr>
+                              <m:e>
+                                <m:r>
+                                  <m:rPr>
+                                    <m:brk m:alnAt="7"/>
+                                  </m:rPr>
+                                  <a:rPr lang="en-US" altLang="ko-KR" sz="1400" i="1" dirty="0">
+                                    <a:latin typeface="Cambria Math" panose="02040503050406030204" pitchFamily="18" charset="0"/>
+                                    <a:ea typeface="Cambria Math" panose="02040503050406030204" pitchFamily="18" charset="0"/>
+                                  </a:rPr>
+                                  <m:t>𝑝</m:t>
+                                </m:r>
+                                <m:d>
+                                  <m:dPr>
+                                    <m:ctrlPr>
+                                      <a:rPr lang="en-US" altLang="ko-KR" sz="1400" i="1" dirty="0">
+                                        <a:latin typeface="Cambria Math" panose="02040503050406030204" pitchFamily="18" charset="0"/>
+                                        <a:ea typeface="Cambria Math" panose="02040503050406030204" pitchFamily="18" charset="0"/>
+                                      </a:rPr>
+                                    </m:ctrlPr>
+                                  </m:dPr>
+                                  <m:e>
+                                    <m:r>
+                                      <m:rPr>
+                                        <m:brk m:alnAt="7"/>
+                                      </m:rPr>
+                                      <a:rPr lang="en-US" altLang="ko-KR" sz="1400" i="1" dirty="0">
+                                        <a:latin typeface="Cambria Math" panose="02040503050406030204" pitchFamily="18" charset="0"/>
+                                        <a:ea typeface="Cambria Math" panose="02040503050406030204" pitchFamily="18" charset="0"/>
+                                      </a:rPr>
+                                      <m:t>∙</m:t>
+                                    </m:r>
+                                  </m:e>
+                                  <m:e>
+                                    <m:r>
+                                      <m:rPr>
+                                        <m:brk m:alnAt="7"/>
+                                      </m:rPr>
+                                      <a:rPr lang="en-US" altLang="ko-KR" sz="1400" i="1" dirty="0">
+                                        <a:latin typeface="Cambria Math" panose="02040503050406030204" pitchFamily="18" charset="0"/>
+                                        <a:ea typeface="Cambria Math" panose="02040503050406030204" pitchFamily="18" charset="0"/>
+                                      </a:rPr>
+                                      <m:t>𝑥</m:t>
+                                    </m:r>
+                                  </m:e>
+                                </m:d>
+                              </m:e>
+                            </m:d>
+                          </m:sub>
+                          <m:sup/>
+                          <m:e>
+                            <m:sSub>
+                              <m:sSubPr>
+                                <m:ctrlPr>
+                                  <a:rPr lang="en-US" altLang="ko-KR" sz="1400" i="1" dirty="0">
+                                    <a:latin typeface="Cambria Math" panose="02040503050406030204" pitchFamily="18" charset="0"/>
+                                  </a:rPr>
+                                </m:ctrlPr>
+                              </m:sSubPr>
+                              <m:e>
+                                <m:r>
+                                  <a:rPr lang="en-US" altLang="ko-KR" sz="1400" i="1" dirty="0">
+                                    <a:latin typeface="Cambria Math" panose="02040503050406030204" pitchFamily="18" charset="0"/>
+                                  </a:rPr>
+                                  <m:t>𝑝</m:t>
+                                </m:r>
+                              </m:e>
+                              <m:sub>
+                                <m:r>
+                                  <a:rPr lang="ko-KR" altLang="en-US" sz="1400" i="1" dirty="0">
+                                    <a:latin typeface="Cambria Math" panose="02040503050406030204" pitchFamily="18" charset="0"/>
+                                  </a:rPr>
+                                  <m:t>𝜂</m:t>
+                                </m:r>
+                              </m:sub>
+                            </m:sSub>
+                          </m:e>
+                        </m:nary>
+                        <m:d>
+                          <m:dPr>
+                            <m:ctrlPr>
+                              <a:rPr lang="en-US" altLang="ko-KR" sz="1400" i="1" dirty="0">
+                                <a:latin typeface="Cambria Math" panose="02040503050406030204" pitchFamily="18" charset="0"/>
+                              </a:rPr>
+                            </m:ctrlPr>
+                          </m:dPr>
+                          <m:e>
+                            <m:r>
+                              <a:rPr lang="en-US" altLang="ko-KR" sz="1400" i="1" dirty="0">
+                                <a:latin typeface="Cambria Math" panose="02040503050406030204" pitchFamily="18" charset="0"/>
+                              </a:rPr>
+                              <m:t>𝑧</m:t>
+                            </m:r>
+                          </m:e>
+                          <m:e>
+                            <m:r>
+                              <a:rPr lang="en-US" altLang="ko-KR" sz="1400" i="1" dirty="0">
+                                <a:latin typeface="Cambria Math" panose="02040503050406030204" pitchFamily="18" charset="0"/>
+                              </a:rPr>
+                              <m:t>𝑥</m:t>
+                            </m:r>
+                          </m:e>
+                        </m:d>
+                        <m:sSub>
+                          <m:sSubPr>
+                            <m:ctrlPr>
+                              <a:rPr lang="en-US" altLang="ko-KR" sz="1400" i="1" dirty="0">
+                                <a:latin typeface="Cambria Math" panose="02040503050406030204" pitchFamily="18" charset="0"/>
+                              </a:rPr>
+                            </m:ctrlPr>
+                          </m:sSubPr>
+                          <m:e>
+                            <m:r>
+                              <a:rPr lang="en-US" altLang="ko-KR" sz="1400" i="1" dirty="0">
+                                <a:latin typeface="Cambria Math" panose="02040503050406030204" pitchFamily="18" charset="0"/>
+                              </a:rPr>
+                              <m:t>𝑝</m:t>
+                            </m:r>
+                          </m:e>
+                          <m:sub>
+                            <m:r>
+                              <a:rPr lang="ko-KR" altLang="en-US" sz="1400" i="1" dirty="0">
+                                <a:latin typeface="Cambria Math" panose="02040503050406030204" pitchFamily="18" charset="0"/>
+                              </a:rPr>
+                              <m:t>𝜃</m:t>
+                            </m:r>
+                          </m:sub>
+                        </m:sSub>
+                        <m:d>
+                          <m:dPr>
+                            <m:ctrlPr>
+                              <a:rPr lang="en-US" altLang="ko-KR" sz="1400" i="1" dirty="0">
+                                <a:latin typeface="Cambria Math" panose="02040503050406030204" pitchFamily="18" charset="0"/>
+                              </a:rPr>
+                            </m:ctrlPr>
+                          </m:dPr>
+                          <m:e>
+                            <m:sSub>
+                              <m:sSubPr>
+                                <m:ctrlPr>
+                                  <a:rPr lang="en-US" altLang="ko-KR" sz="1400" i="1" dirty="0">
+                                    <a:latin typeface="Cambria Math" panose="02040503050406030204" pitchFamily="18" charset="0"/>
+                                  </a:rPr>
+                                </m:ctrlPr>
+                              </m:sSubPr>
+                              <m:e>
+                                <m:r>
+                                  <a:rPr lang="en-US" altLang="ko-KR" sz="1400" i="1" dirty="0">
+                                    <a:latin typeface="Cambria Math" panose="02040503050406030204" pitchFamily="18" charset="0"/>
+                                  </a:rPr>
+                                  <m:t>𝑦</m:t>
+                                </m:r>
+                              </m:e>
+                              <m:sub>
+                                <m:r>
+                                  <a:rPr lang="en-US" altLang="ko-KR" sz="1400" i="1" dirty="0">
+                                    <a:latin typeface="Cambria Math" panose="02040503050406030204" pitchFamily="18" charset="0"/>
+                                  </a:rPr>
+                                  <m:t>𝑖</m:t>
+                                </m:r>
+                              </m:sub>
+                            </m:sSub>
+                          </m:e>
+                          <m:e>
+                            <m:r>
+                              <a:rPr lang="en-US" altLang="ko-KR" sz="1400" i="1" dirty="0">
+                                <a:latin typeface="Cambria Math" panose="02040503050406030204" pitchFamily="18" charset="0"/>
+                              </a:rPr>
+                              <m:t>𝑥</m:t>
+                            </m:r>
+                            <m:r>
+                              <a:rPr lang="en-US" altLang="ko-KR" sz="1400" i="1" dirty="0">
+                                <a:latin typeface="Cambria Math" panose="02040503050406030204" pitchFamily="18" charset="0"/>
+                              </a:rPr>
+                              <m:t>,</m:t>
+                            </m:r>
+                            <m:r>
+                              <a:rPr lang="en-US" altLang="ko-KR" sz="1400" i="1" dirty="0">
+                                <a:latin typeface="Cambria Math" panose="02040503050406030204" pitchFamily="18" charset="0"/>
+                              </a:rPr>
+                              <m:t>𝑧</m:t>
+                            </m:r>
+                            <m:r>
+                              <a:rPr lang="en-US" altLang="ko-KR" sz="1400" i="1" dirty="0">
+                                <a:latin typeface="Cambria Math" panose="02040503050406030204" pitchFamily="18" charset="0"/>
+                              </a:rPr>
+                              <m:t>,</m:t>
+                            </m:r>
+                            <m:sSub>
+                              <m:sSubPr>
+                                <m:ctrlPr>
+                                  <a:rPr lang="en-US" altLang="ko-KR" sz="1400" i="1" dirty="0">
+                                    <a:latin typeface="Cambria Math" panose="02040503050406030204" pitchFamily="18" charset="0"/>
+                                  </a:rPr>
+                                </m:ctrlPr>
+                              </m:sSubPr>
+                              <m:e>
+                                <m:r>
+                                  <a:rPr lang="en-US" altLang="ko-KR" sz="1400" i="1" dirty="0">
+                                    <a:latin typeface="Cambria Math" panose="02040503050406030204" pitchFamily="18" charset="0"/>
+                                  </a:rPr>
+                                  <m:t>𝑦</m:t>
+                                </m:r>
+                              </m:e>
+                              <m:sub>
+                                <m:r>
+                                  <a:rPr lang="en-US" altLang="ko-KR" sz="1400" i="1" dirty="0">
+                                    <a:latin typeface="Cambria Math" panose="02040503050406030204" pitchFamily="18" charset="0"/>
+                                  </a:rPr>
+                                  <m:t>1:</m:t>
+                                </m:r>
+                                <m:r>
+                                  <a:rPr lang="en-US" altLang="ko-KR" sz="1400" i="1" dirty="0">
+                                    <a:latin typeface="Cambria Math" panose="02040503050406030204" pitchFamily="18" charset="0"/>
+                                  </a:rPr>
+                                  <m:t>𝑖</m:t>
+                                </m:r>
+                                <m:r>
+                                  <a:rPr lang="en-US" altLang="ko-KR" sz="1400" i="1" dirty="0">
+                                    <a:latin typeface="Cambria Math" panose="02040503050406030204" pitchFamily="18" charset="0"/>
+                                  </a:rPr>
+                                  <m:t>−1</m:t>
+                                </m:r>
+                              </m:sub>
+                            </m:sSub>
+                          </m:e>
+                        </m:d>
+                      </m:e>
+                    </m:nary>
+                  </m:oMath>
+                </a14:m>
+                <a:endParaRPr lang="ko-KR" altLang="en-US" sz="1400" dirty="0"/>
+              </a:p>
+            </p:txBody>
+          </p:sp>
+        </mc:Choice>
+        <mc:Fallback>
+          <p:sp>
+            <p:nvSpPr>
+              <p:cNvPr id="20" name="TextBox 19"/>
+              <p:cNvSpPr txBox="1">
+                <a:spLocks noRot="1" noChangeAspect="1" noMove="1" noResize="1" noEditPoints="1" noAdjustHandles="1" noChangeArrowheads="1" noChangeShapeType="1" noTextEdit="1"/>
+              </p:cNvSpPr>
+              <p:nvPr/>
+            </p:nvSpPr>
+            <p:spPr>
+              <a:xfrm>
+                <a:off x="395536" y="2356501"/>
+                <a:ext cx="4918975" cy="287515"/>
+              </a:xfrm>
+              <a:prstGeom prst="rect">
+                <a:avLst/>
+              </a:prstGeom>
+              <a:blipFill>
+                <a:blip r:embed="rId4"/>
+                <a:stretch>
+                  <a:fillRect l="-1239" t="-121277" b="-168085"/>
+                </a:stretch>
+              </a:blipFill>
+            </p:spPr>
+            <p:txBody>
+              <a:bodyPr/>
+              <a:lstStyle/>
+              <a:p>
+                <a:r>
+                  <a:rPr lang="ko-KR" altLang="en-US">
+                    <a:noFill/>
+                  </a:rPr>
+                  <a:t> </a:t>
+                </a:r>
+              </a:p>
+            </p:txBody>
+          </p:sp>
+        </mc:Fallback>
+      </mc:AlternateContent>
+      <mc:AlternateContent xmlns:mc="http://schemas.openxmlformats.org/markup-compatibility/2006">
+        <mc:Choice xmlns:a14="http://schemas.microsoft.com/office/drawing/2010/main" Requires="a14">
+          <p:sp>
+            <p:nvSpPr>
+              <p:cNvPr id="22" name="직사각형 21"/>
+              <p:cNvSpPr/>
+              <p:nvPr/>
+            </p:nvSpPr>
+            <p:spPr>
+              <a:xfrm>
+                <a:off x="323528" y="3219822"/>
+                <a:ext cx="3043590" cy="671018"/>
+              </a:xfrm>
+              <a:prstGeom prst="rect">
+                <a:avLst/>
+              </a:prstGeom>
+            </p:spPr>
+            <p:txBody>
+              <a:bodyPr wrap="none">
+                <a:spAutoFit/>
+              </a:bodyPr>
+              <a:lstStyle/>
+              <a:p>
+                <a14:m>
+                  <m:oMath xmlns:m="http://schemas.openxmlformats.org/officeDocument/2006/math">
+                    <m:sSub>
+                      <m:sSubPr>
+                        <m:ctrlPr>
+                          <a:rPr lang="en-US" altLang="ko-KR" i="1" dirty="0">
+                            <a:latin typeface="Cambria Math" panose="02040503050406030204" pitchFamily="18" charset="0"/>
+                          </a:rPr>
+                        </m:ctrlPr>
+                      </m:sSubPr>
+                      <m:e>
+                        <m:r>
+                          <a:rPr lang="en-US" altLang="ko-KR" i="1" dirty="0">
+                            <a:latin typeface="Cambria Math" panose="02040503050406030204" pitchFamily="18" charset="0"/>
+                          </a:rPr>
+                          <m:t>𝑝</m:t>
+                        </m:r>
+                      </m:e>
+                      <m:sub>
+                        <m:r>
+                          <a:rPr lang="ko-KR" altLang="en-US" i="1" dirty="0">
+                            <a:latin typeface="Cambria Math" panose="02040503050406030204" pitchFamily="18" charset="0"/>
+                          </a:rPr>
+                          <m:t>𝜂</m:t>
+                        </m:r>
+                      </m:sub>
+                    </m:sSub>
+                    <m:d>
+                      <m:dPr>
+                        <m:ctrlPr>
+                          <a:rPr lang="en-US" altLang="ko-KR" i="1" dirty="0">
+                            <a:latin typeface="Cambria Math" panose="02040503050406030204" pitchFamily="18" charset="0"/>
+                          </a:rPr>
+                        </m:ctrlPr>
+                      </m:dPr>
+                      <m:e>
+                        <m:r>
+                          <a:rPr lang="en-US" altLang="ko-KR" i="1" dirty="0">
+                            <a:latin typeface="Cambria Math" panose="02040503050406030204" pitchFamily="18" charset="0"/>
+                          </a:rPr>
+                          <m:t>𝑧</m:t>
+                        </m:r>
+                      </m:e>
+                      <m:e>
+                        <m:r>
+                          <a:rPr lang="en-US" altLang="ko-KR" i="1" dirty="0">
+                            <a:latin typeface="Cambria Math" panose="02040503050406030204" pitchFamily="18" charset="0"/>
+                          </a:rPr>
+                          <m:t>𝑥</m:t>
+                        </m:r>
+                      </m:e>
+                    </m:d>
+                  </m:oMath>
+                </a14:m>
+                <a:r>
+                  <a:rPr lang="ko-KR" altLang="en-US" dirty="0" smtClean="0"/>
+                  <a:t> </a:t>
+                </a:r>
+                <a:r>
+                  <a:rPr lang="en-US" altLang="ko-KR" dirty="0" smtClean="0"/>
+                  <a:t>: retriever</a:t>
+                </a:r>
+              </a:p>
+              <a:p>
+                <a14:m>
+                  <m:oMath xmlns:m="http://schemas.openxmlformats.org/officeDocument/2006/math">
+                    <m:sSub>
+                      <m:sSubPr>
+                        <m:ctrlPr>
+                          <a:rPr lang="en-US" altLang="ko-KR" i="1" dirty="0">
+                            <a:latin typeface="Cambria Math" panose="02040503050406030204" pitchFamily="18" charset="0"/>
+                          </a:rPr>
+                        </m:ctrlPr>
+                      </m:sSubPr>
+                      <m:e>
+                        <m:r>
+                          <a:rPr lang="en-US" altLang="ko-KR" i="1" dirty="0">
+                            <a:latin typeface="Cambria Math" panose="02040503050406030204" pitchFamily="18" charset="0"/>
+                          </a:rPr>
+                          <m:t>𝑝</m:t>
+                        </m:r>
+                      </m:e>
+                      <m:sub>
+                        <m:r>
+                          <a:rPr lang="ko-KR" altLang="en-US" i="1" dirty="0">
+                            <a:latin typeface="Cambria Math" panose="02040503050406030204" pitchFamily="18" charset="0"/>
+                          </a:rPr>
+                          <m:t>𝜃</m:t>
+                        </m:r>
+                      </m:sub>
+                    </m:sSub>
+                    <m:d>
+                      <m:dPr>
+                        <m:ctrlPr>
+                          <a:rPr lang="en-US" altLang="ko-KR" i="1" dirty="0">
+                            <a:latin typeface="Cambria Math" panose="02040503050406030204" pitchFamily="18" charset="0"/>
+                          </a:rPr>
+                        </m:ctrlPr>
+                      </m:dPr>
+                      <m:e>
+                        <m:sSub>
+                          <m:sSubPr>
+                            <m:ctrlPr>
+                              <a:rPr lang="en-US" altLang="ko-KR" i="1" dirty="0">
+                                <a:latin typeface="Cambria Math" panose="02040503050406030204" pitchFamily="18" charset="0"/>
+                              </a:rPr>
+                            </m:ctrlPr>
+                          </m:sSubPr>
+                          <m:e>
+                            <m:r>
+                              <a:rPr lang="en-US" altLang="ko-KR" i="1" dirty="0">
+                                <a:latin typeface="Cambria Math" panose="02040503050406030204" pitchFamily="18" charset="0"/>
+                              </a:rPr>
+                              <m:t>𝑦</m:t>
+                            </m:r>
+                          </m:e>
+                          <m:sub>
+                            <m:r>
+                              <a:rPr lang="en-US" altLang="ko-KR" i="1" dirty="0">
+                                <a:latin typeface="Cambria Math" panose="02040503050406030204" pitchFamily="18" charset="0"/>
+                              </a:rPr>
+                              <m:t>𝑖</m:t>
+                            </m:r>
+                          </m:sub>
+                        </m:sSub>
+                      </m:e>
+                      <m:e>
+                        <m:r>
+                          <a:rPr lang="en-US" altLang="ko-KR" i="1" dirty="0">
+                            <a:latin typeface="Cambria Math" panose="02040503050406030204" pitchFamily="18" charset="0"/>
+                          </a:rPr>
+                          <m:t>𝑥</m:t>
+                        </m:r>
+                        <m:r>
+                          <a:rPr lang="en-US" altLang="ko-KR" i="1" dirty="0">
+                            <a:latin typeface="Cambria Math" panose="02040503050406030204" pitchFamily="18" charset="0"/>
+                          </a:rPr>
+                          <m:t>,</m:t>
+                        </m:r>
+                        <m:r>
+                          <a:rPr lang="en-US" altLang="ko-KR" i="1" dirty="0">
+                            <a:latin typeface="Cambria Math" panose="02040503050406030204" pitchFamily="18" charset="0"/>
+                          </a:rPr>
+                          <m:t>𝑧</m:t>
+                        </m:r>
+                        <m:r>
+                          <a:rPr lang="en-US" altLang="ko-KR" i="1" dirty="0">
+                            <a:latin typeface="Cambria Math" panose="02040503050406030204" pitchFamily="18" charset="0"/>
+                          </a:rPr>
+                          <m:t>,</m:t>
+                        </m:r>
+                        <m:sSub>
+                          <m:sSubPr>
+                            <m:ctrlPr>
+                              <a:rPr lang="en-US" altLang="ko-KR" i="1" dirty="0">
+                                <a:latin typeface="Cambria Math" panose="02040503050406030204" pitchFamily="18" charset="0"/>
+                              </a:rPr>
+                            </m:ctrlPr>
+                          </m:sSubPr>
+                          <m:e>
+                            <m:r>
+                              <a:rPr lang="en-US" altLang="ko-KR" i="1" dirty="0">
+                                <a:latin typeface="Cambria Math" panose="02040503050406030204" pitchFamily="18" charset="0"/>
+                              </a:rPr>
+                              <m:t>𝑦</m:t>
+                            </m:r>
+                          </m:e>
+                          <m:sub>
+                            <m:r>
+                              <a:rPr lang="en-US" altLang="ko-KR" i="1" dirty="0">
+                                <a:latin typeface="Cambria Math" panose="02040503050406030204" pitchFamily="18" charset="0"/>
+                              </a:rPr>
+                              <m:t>1:</m:t>
+                            </m:r>
+                            <m:r>
+                              <a:rPr lang="en-US" altLang="ko-KR" i="1" dirty="0">
+                                <a:latin typeface="Cambria Math" panose="02040503050406030204" pitchFamily="18" charset="0"/>
+                              </a:rPr>
+                              <m:t>𝑖</m:t>
+                            </m:r>
+                            <m:r>
+                              <a:rPr lang="en-US" altLang="ko-KR" i="1" dirty="0">
+                                <a:latin typeface="Cambria Math" panose="02040503050406030204" pitchFamily="18" charset="0"/>
+                              </a:rPr>
+                              <m:t>−1</m:t>
+                            </m:r>
+                          </m:sub>
+                        </m:sSub>
+                      </m:e>
+                    </m:d>
+                  </m:oMath>
+                </a14:m>
+                <a:r>
+                  <a:rPr lang="ko-KR" altLang="en-US" dirty="0" smtClean="0"/>
+                  <a:t> </a:t>
+                </a:r>
+                <a:r>
+                  <a:rPr lang="en-US" altLang="ko-KR" dirty="0" smtClean="0"/>
+                  <a:t>: generator</a:t>
+                </a:r>
+                <a:endParaRPr lang="ko-KR" altLang="en-US" dirty="0"/>
+              </a:p>
+            </p:txBody>
+          </p:sp>
+        </mc:Choice>
+        <mc:Fallback>
+          <p:sp>
+            <p:nvSpPr>
+              <p:cNvPr id="22" name="직사각형 21"/>
+              <p:cNvSpPr>
+                <a:spLocks noRot="1" noChangeAspect="1" noMove="1" noResize="1" noEditPoints="1" noAdjustHandles="1" noChangeArrowheads="1" noChangeShapeType="1" noTextEdit="1"/>
+              </p:cNvSpPr>
+              <p:nvPr/>
+            </p:nvSpPr>
+            <p:spPr>
+              <a:xfrm>
+                <a:off x="323528" y="3219822"/>
+                <a:ext cx="3043590" cy="671018"/>
+              </a:xfrm>
+              <a:prstGeom prst="rect">
+                <a:avLst/>
+              </a:prstGeom>
+              <a:blipFill>
+                <a:blip r:embed="rId5"/>
+                <a:stretch>
+                  <a:fillRect t="-4545" r="-1002" b="-13636"/>
+                </a:stretch>
+              </a:blipFill>
+            </p:spPr>
+            <p:txBody>
+              <a:bodyPr/>
+              <a:lstStyle/>
+              <a:p>
+                <a:r>
+                  <a:rPr lang="ko-KR" altLang="en-US">
+                    <a:noFill/>
+                  </a:rPr>
+                  <a:t> </a:t>
+                </a:r>
+              </a:p>
+            </p:txBody>
+          </p:sp>
+        </mc:Fallback>
+      </mc:AlternateContent>
       <p:sp>
         <p:nvSpPr>
-          <p:cNvPr id="6" name="직사각형 5">
-            <a:extLst>
-              <a:ext uri="{FF2B5EF4-FFF2-40B4-BE49-F238E27FC236}">
-                <a16:creationId xmlns:a16="http://schemas.microsoft.com/office/drawing/2014/main" id="{A4C147EB-F900-26D0-8AB0-67DEF9B75841}"/>
-              </a:ext>
-            </a:extLst>
-          </p:cNvPr>
+          <p:cNvPr id="23" name="직사각형 22"/>
           <p:cNvSpPr/>
           <p:nvPr/>
         </p:nvSpPr>
         <p:spPr>
           <a:xfrm>
-            <a:off x="4402415" y="1203598"/>
-            <a:ext cx="4536504" cy="1512168"/>
+            <a:off x="323528" y="1707654"/>
+            <a:ext cx="8039510" cy="1008112"/>
           </a:xfrm>
           <a:prstGeom prst="rect">
             <a:avLst/>
@@ -15490,1017 +17032,11 @@
           <a:bodyPr rtlCol="0" anchor="ctr"/>
           <a:lstStyle/>
           <a:p>
-            <a:pPr marL="0" marR="0" lvl="0" indent="0" algn="ctr" defTabSz="914400" rtl="0" eaLnBrk="1" fontAlgn="auto" latinLnBrk="1" hangingPunct="1">
-              <a:lnSpc>
-                <a:spcPct val="100000"/>
-              </a:lnSpc>
-              <a:spcBef>
-                <a:spcPts val="0"/>
-              </a:spcBef>
-              <a:spcAft>
-                <a:spcPts val="0"/>
-              </a:spcAft>
-              <a:buClrTx/>
-              <a:buSzTx/>
-              <a:buFontTx/>
-              <a:buNone/>
-              <a:tabLst/>
-              <a:defRPr/>
-            </a:pPr>
-            <a:r>
-              <a:rPr kumimoji="0" lang="ko-KR" altLang="en-US" sz="1800" b="0" i="0" u="none" strike="noStrike" kern="1200" cap="none" spc="0" normalizeH="0" baseline="0" noProof="0" dirty="0">
-                <a:ln>
-                  <a:noFill/>
-                </a:ln>
-                <a:solidFill>
-                  <a:prstClr val="black"/>
-                </a:solidFill>
-                <a:effectLst/>
-                <a:uLnTx/>
-                <a:uFillTx/>
-                <a:latin typeface="맑은 고딕" panose="020B0503020000020004" pitchFamily="50" charset="-127"/>
-                <a:ea typeface="맑은 고딕" panose="020B0503020000020004" pitchFamily="50" charset="-127"/>
-              </a:rPr>
-              <a:t>기본 </a:t>
-            </a:r>
-            <a:r>
-              <a:rPr lang="en-US" altLang="ko-KR" dirty="0">
-                <a:solidFill>
-                  <a:prstClr val="black"/>
-                </a:solidFill>
-                <a:latin typeface="맑은 고딕" panose="020B0503020000020004" pitchFamily="50" charset="-127"/>
-                <a:ea typeface="맑은 고딕" panose="020B0503020000020004" pitchFamily="50" charset="-127"/>
-              </a:rPr>
-              <a:t>KoGPT3 </a:t>
-            </a:r>
-            <a:r>
-              <a:rPr lang="ko-KR" altLang="en-US" dirty="0">
-                <a:solidFill>
-                  <a:prstClr val="black"/>
-                </a:solidFill>
-                <a:latin typeface="맑은 고딕" panose="020B0503020000020004" pitchFamily="50" charset="-127"/>
-                <a:ea typeface="맑은 고딕" panose="020B0503020000020004" pitchFamily="50" charset="-127"/>
-              </a:rPr>
-              <a:t>모델에서</a:t>
-            </a:r>
-            <a:endParaRPr lang="en-US" altLang="ko-KR" dirty="0">
-              <a:solidFill>
-                <a:prstClr val="black"/>
-              </a:solidFill>
-              <a:latin typeface="맑은 고딕" panose="020B0503020000020004" pitchFamily="50" charset="-127"/>
-              <a:ea typeface="맑은 고딕" panose="020B0503020000020004" pitchFamily="50" charset="-127"/>
-            </a:endParaRPr>
-          </a:p>
-          <a:p>
-            <a:pPr marL="0" marR="0" lvl="0" indent="0" algn="ctr" defTabSz="914400" rtl="0" eaLnBrk="1" fontAlgn="auto" latinLnBrk="1" hangingPunct="1">
-              <a:lnSpc>
-                <a:spcPct val="100000"/>
-              </a:lnSpc>
-              <a:spcBef>
-                <a:spcPts val="0"/>
-              </a:spcBef>
-              <a:spcAft>
-                <a:spcPts val="0"/>
-              </a:spcAft>
-              <a:buClrTx/>
-              <a:buSzTx/>
-              <a:buFontTx/>
-              <a:buNone/>
-              <a:tabLst/>
-              <a:defRPr/>
-            </a:pPr>
-            <a:endParaRPr kumimoji="0" lang="en-US" altLang="ko-KR" sz="1800" b="0" i="0" u="none" strike="noStrike" kern="1200" cap="none" spc="0" normalizeH="0" baseline="0" noProof="0" dirty="0">
-              <a:ln>
-                <a:noFill/>
-              </a:ln>
-              <a:solidFill>
-                <a:prstClr val="black"/>
-              </a:solidFill>
-              <a:effectLst/>
-              <a:uLnTx/>
-              <a:uFillTx/>
-              <a:latin typeface="맑은 고딕" panose="020B0503020000020004" pitchFamily="50" charset="-127"/>
-              <a:ea typeface="맑은 고딕" panose="020B0503020000020004" pitchFamily="50" charset="-127"/>
-            </a:endParaRPr>
-          </a:p>
-          <a:p>
-            <a:pPr marL="0" marR="0" lvl="0" indent="0" algn="ctr" defTabSz="914400" rtl="0" eaLnBrk="1" fontAlgn="auto" latinLnBrk="1" hangingPunct="1">
-              <a:lnSpc>
-                <a:spcPct val="100000"/>
-              </a:lnSpc>
-              <a:spcBef>
-                <a:spcPts val="0"/>
-              </a:spcBef>
-              <a:spcAft>
-                <a:spcPts val="0"/>
-              </a:spcAft>
-              <a:buClrTx/>
-              <a:buSzTx/>
-              <a:buFontTx/>
-              <a:buNone/>
-              <a:tabLst/>
-              <a:defRPr/>
-            </a:pPr>
-            <a:r>
-              <a:rPr kumimoji="0" lang="ko-KR" altLang="en-US" sz="1800" b="0" i="0" u="none" strike="noStrike" kern="1200" cap="none" spc="0" normalizeH="0" baseline="0" noProof="0" dirty="0">
-                <a:ln>
-                  <a:noFill/>
-                </a:ln>
-                <a:solidFill>
-                  <a:prstClr val="black"/>
-                </a:solidFill>
-                <a:effectLst/>
-                <a:uLnTx/>
-                <a:uFillTx/>
-                <a:latin typeface="맑은 고딕" panose="020B0503020000020004" pitchFamily="50" charset="-127"/>
-                <a:ea typeface="맑은 고딕" panose="020B0503020000020004" pitchFamily="50" charset="-127"/>
-              </a:rPr>
-              <a:t>추론 시 </a:t>
-            </a:r>
-            <a:r>
-              <a:rPr kumimoji="0" lang="en-US" altLang="ko-KR" sz="1800" b="0" i="0" u="none" strike="noStrike" kern="1200" cap="none" spc="0" normalizeH="0" baseline="0" noProof="0" dirty="0">
-                <a:ln>
-                  <a:noFill/>
-                </a:ln>
-                <a:solidFill>
-                  <a:prstClr val="black"/>
-                </a:solidFill>
-                <a:effectLst/>
-                <a:uLnTx/>
-                <a:uFillTx/>
-                <a:latin typeface="맑은 고딕" panose="020B0503020000020004" pitchFamily="50" charset="-127"/>
-                <a:ea typeface="맑은 고딕" panose="020B0503020000020004" pitchFamily="50" charset="-127"/>
-              </a:rPr>
-              <a:t>GPU</a:t>
-            </a:r>
-            <a:r>
-              <a:rPr kumimoji="0" lang="ko-KR" altLang="en-US" sz="1800" b="0" i="0" u="none" strike="noStrike" kern="1200" cap="none" spc="0" normalizeH="0" baseline="0" noProof="0" dirty="0">
-                <a:ln>
-                  <a:noFill/>
-                </a:ln>
-                <a:solidFill>
-                  <a:prstClr val="black"/>
-                </a:solidFill>
-                <a:effectLst/>
-                <a:uLnTx/>
-                <a:uFillTx/>
-                <a:latin typeface="맑은 고딕" panose="020B0503020000020004" pitchFamily="50" charset="-127"/>
-                <a:ea typeface="맑은 고딕" panose="020B0503020000020004" pitchFamily="50" charset="-127"/>
-              </a:rPr>
-              <a:t>메모리 사용량</a:t>
-            </a:r>
-            <a:r>
-              <a:rPr kumimoji="0" lang="en-US" altLang="ko-KR" sz="1800" b="0" i="0" u="none" strike="noStrike" kern="1200" cap="none" spc="0" normalizeH="0" baseline="0" noProof="0" dirty="0">
-                <a:ln>
-                  <a:noFill/>
-                </a:ln>
-                <a:solidFill>
-                  <a:prstClr val="black"/>
-                </a:solidFill>
-                <a:effectLst/>
-                <a:uLnTx/>
-                <a:uFillTx/>
-                <a:latin typeface="맑은 고딕" panose="020B0503020000020004" pitchFamily="50" charset="-127"/>
-                <a:ea typeface="맑은 고딕" panose="020B0503020000020004" pitchFamily="50" charset="-127"/>
-              </a:rPr>
-              <a:t>: </a:t>
-            </a:r>
-            <a:r>
-              <a:rPr kumimoji="0" lang="ko-KR" altLang="en-US" sz="1800" b="1" i="0" u="none" strike="noStrike" kern="1200" cap="none" spc="0" normalizeH="0" baseline="0" noProof="0" dirty="0">
-                <a:ln>
-                  <a:noFill/>
-                </a:ln>
-                <a:solidFill>
-                  <a:prstClr val="black"/>
-                </a:solidFill>
-                <a:effectLst/>
-                <a:uLnTx/>
-                <a:uFillTx/>
-                <a:latin typeface="맑은 고딕" panose="020B0503020000020004" pitchFamily="50" charset="-127"/>
-                <a:ea typeface="맑은 고딕" panose="020B0503020000020004" pitchFamily="50" charset="-127"/>
-              </a:rPr>
-              <a:t>약 </a:t>
-            </a:r>
-            <a:r>
-              <a:rPr kumimoji="0" lang="en-US" altLang="ko-KR" sz="1800" b="1" i="0" u="none" strike="noStrike" kern="1200" cap="none" spc="0" normalizeH="0" baseline="0" noProof="0" dirty="0">
-                <a:ln>
-                  <a:noFill/>
-                </a:ln>
-                <a:solidFill>
-                  <a:prstClr val="black"/>
-                </a:solidFill>
-                <a:effectLst/>
-                <a:uLnTx/>
-                <a:uFillTx/>
-                <a:latin typeface="맑은 고딕" panose="020B0503020000020004" pitchFamily="50" charset="-127"/>
-                <a:ea typeface="맑은 고딕" panose="020B0503020000020004" pitchFamily="50" charset="-127"/>
-              </a:rPr>
-              <a:t>20GB</a:t>
-            </a:r>
-          </a:p>
-          <a:p>
-            <a:pPr marL="0" marR="0" lvl="0" indent="0" algn="ctr" defTabSz="914400" rtl="0" eaLnBrk="1" fontAlgn="auto" latinLnBrk="1" hangingPunct="1">
-              <a:lnSpc>
-                <a:spcPct val="100000"/>
-              </a:lnSpc>
-              <a:spcBef>
-                <a:spcPts val="0"/>
-              </a:spcBef>
-              <a:spcAft>
-                <a:spcPts val="0"/>
-              </a:spcAft>
-              <a:buClrTx/>
-              <a:buSzTx/>
-              <a:buFontTx/>
-              <a:buNone/>
-              <a:tabLst/>
-              <a:defRPr/>
-            </a:pPr>
-            <a:endParaRPr kumimoji="0" lang="en-US" altLang="ko-KR" sz="1800" b="0" i="0" u="none" strike="noStrike" kern="1200" cap="none" spc="0" normalizeH="0" baseline="0" noProof="0" dirty="0">
-              <a:ln>
-                <a:noFill/>
-              </a:ln>
-              <a:solidFill>
-                <a:prstClr val="black"/>
-              </a:solidFill>
-              <a:effectLst/>
-              <a:uLnTx/>
-              <a:uFillTx/>
-              <a:latin typeface="맑은 고딕" panose="020B0503020000020004" pitchFamily="50" charset="-127"/>
-              <a:ea typeface="맑은 고딕" panose="020B0503020000020004" pitchFamily="50" charset="-127"/>
-            </a:endParaRPr>
-          </a:p>
-          <a:p>
-            <a:pPr marL="0" marR="0" lvl="0" indent="0" algn="ctr" defTabSz="914400" rtl="0" eaLnBrk="1" fontAlgn="auto" latinLnBrk="1" hangingPunct="1">
-              <a:lnSpc>
-                <a:spcPct val="100000"/>
-              </a:lnSpc>
-              <a:spcBef>
-                <a:spcPts val="0"/>
-              </a:spcBef>
-              <a:spcAft>
-                <a:spcPts val="0"/>
-              </a:spcAft>
-              <a:buClrTx/>
-              <a:buSzTx/>
-              <a:buFontTx/>
-              <a:buNone/>
-              <a:tabLst/>
-              <a:defRPr/>
-            </a:pPr>
-            <a:r>
-              <a:rPr kumimoji="0" lang="ko-KR" altLang="en-US" sz="1800" b="0" i="0" u="none" strike="noStrike" kern="1200" cap="none" spc="0" normalizeH="0" baseline="0" noProof="0" dirty="0" err="1">
-                <a:ln>
-                  <a:noFill/>
-                </a:ln>
-                <a:solidFill>
-                  <a:prstClr val="black"/>
-                </a:solidFill>
-                <a:effectLst/>
-                <a:uLnTx/>
-                <a:uFillTx/>
-                <a:latin typeface="맑은 고딕" panose="020B0503020000020004" pitchFamily="50" charset="-127"/>
-                <a:ea typeface="맑은 고딕" panose="020B0503020000020004" pitchFamily="50" charset="-127"/>
-              </a:rPr>
-              <a:t>파인튜닝</a:t>
-            </a:r>
-            <a:r>
-              <a:rPr kumimoji="0" lang="ko-KR" altLang="en-US" sz="1800" b="0" i="0" u="none" strike="noStrike" kern="1200" cap="none" spc="0" normalizeH="0" baseline="0" noProof="0" dirty="0">
-                <a:ln>
-                  <a:noFill/>
-                </a:ln>
-                <a:solidFill>
-                  <a:prstClr val="black"/>
-                </a:solidFill>
-                <a:effectLst/>
-                <a:uLnTx/>
-                <a:uFillTx/>
-                <a:latin typeface="맑은 고딕" panose="020B0503020000020004" pitchFamily="50" charset="-127"/>
-                <a:ea typeface="맑은 고딕" panose="020B0503020000020004" pitchFamily="50" charset="-127"/>
-              </a:rPr>
-              <a:t> 시 </a:t>
-            </a:r>
-            <a:r>
-              <a:rPr kumimoji="0" lang="en-US" altLang="ko-KR" sz="1800" b="0" i="0" u="none" strike="noStrike" kern="1200" cap="none" spc="0" normalizeH="0" baseline="0" noProof="0" dirty="0">
-                <a:ln>
-                  <a:noFill/>
-                </a:ln>
-                <a:solidFill>
-                  <a:prstClr val="black"/>
-                </a:solidFill>
-                <a:effectLst/>
-                <a:uLnTx/>
-                <a:uFillTx/>
-                <a:latin typeface="맑은 고딕" panose="020B0503020000020004" pitchFamily="50" charset="-127"/>
-                <a:ea typeface="맑은 고딕" panose="020B0503020000020004" pitchFamily="50" charset="-127"/>
-              </a:rPr>
-              <a:t>GPU</a:t>
-            </a:r>
-            <a:r>
-              <a:rPr kumimoji="0" lang="ko-KR" altLang="en-US" sz="1800" b="0" i="0" u="none" strike="noStrike" kern="1200" cap="none" spc="0" normalizeH="0" baseline="0" noProof="0" dirty="0">
-                <a:ln>
-                  <a:noFill/>
-                </a:ln>
-                <a:solidFill>
-                  <a:prstClr val="black"/>
-                </a:solidFill>
-                <a:effectLst/>
-                <a:uLnTx/>
-                <a:uFillTx/>
-                <a:latin typeface="맑은 고딕" panose="020B0503020000020004" pitchFamily="50" charset="-127"/>
-                <a:ea typeface="맑은 고딕" panose="020B0503020000020004" pitchFamily="50" charset="-127"/>
-              </a:rPr>
-              <a:t>메모리 사용량</a:t>
-            </a:r>
-            <a:r>
-              <a:rPr kumimoji="0" lang="en-US" altLang="ko-KR" sz="1800" b="0" i="0" u="none" strike="noStrike" kern="1200" cap="none" spc="0" normalizeH="0" baseline="0" noProof="0" dirty="0">
-                <a:ln>
-                  <a:noFill/>
-                </a:ln>
-                <a:solidFill>
-                  <a:prstClr val="black"/>
-                </a:solidFill>
-                <a:effectLst/>
-                <a:uLnTx/>
-                <a:uFillTx/>
-                <a:latin typeface="맑은 고딕" panose="020B0503020000020004" pitchFamily="50" charset="-127"/>
-                <a:ea typeface="맑은 고딕" panose="020B0503020000020004" pitchFamily="50" charset="-127"/>
-              </a:rPr>
-              <a:t>: </a:t>
-            </a:r>
-            <a:r>
-              <a:rPr kumimoji="0" lang="ko-KR" altLang="en-US" sz="1800" b="1" i="0" u="none" strike="noStrike" kern="1200" cap="none" spc="0" normalizeH="0" baseline="0" noProof="0" dirty="0">
-                <a:ln>
-                  <a:noFill/>
-                </a:ln>
-                <a:solidFill>
-                  <a:prstClr val="black"/>
-                </a:solidFill>
-                <a:effectLst/>
-                <a:uLnTx/>
-                <a:uFillTx/>
-                <a:latin typeface="맑은 고딕" panose="020B0503020000020004" pitchFamily="50" charset="-127"/>
-                <a:ea typeface="맑은 고딕" panose="020B0503020000020004" pitchFamily="50" charset="-127"/>
-              </a:rPr>
-              <a:t>약 </a:t>
-            </a:r>
-            <a:r>
-              <a:rPr kumimoji="0" lang="en-US" altLang="ko-KR" sz="1800" b="1" i="0" u="none" strike="noStrike" kern="1200" cap="none" spc="0" normalizeH="0" baseline="0" noProof="0" dirty="0">
-                <a:ln>
-                  <a:noFill/>
-                </a:ln>
-                <a:solidFill>
-                  <a:prstClr val="black"/>
-                </a:solidFill>
-                <a:effectLst/>
-                <a:uLnTx/>
-                <a:uFillTx/>
-                <a:latin typeface="맑은 고딕" panose="020B0503020000020004" pitchFamily="50" charset="-127"/>
-                <a:ea typeface="맑은 고딕" panose="020B0503020000020004" pitchFamily="50" charset="-127"/>
-              </a:rPr>
-              <a:t>60GB</a:t>
-            </a:r>
-          </a:p>
-        </p:txBody>
-      </p:sp>
-      <p:pic>
-        <p:nvPicPr>
-          <p:cNvPr id="3" name="그림 2">
-            <a:extLst>
-              <a:ext uri="{FF2B5EF4-FFF2-40B4-BE49-F238E27FC236}">
-                <a16:creationId xmlns:a16="http://schemas.microsoft.com/office/drawing/2014/main" id="{0D067891-EB64-201A-1781-2BEF8730E10C}"/>
-              </a:ext>
-            </a:extLst>
-          </p:cNvPr>
-          <p:cNvPicPr>
-            <a:picLocks noChangeAspect="1"/>
-          </p:cNvPicPr>
-          <p:nvPr/>
-        </p:nvPicPr>
-        <p:blipFill>
-          <a:blip r:embed="rId4">
-            <a:extLst>
-              <a:ext uri="{96DAC541-7B7A-43D3-8B79-37D633B846F1}">
-                <asvg:svgBlip xmlns:asvg="http://schemas.microsoft.com/office/drawing/2016/SVG/main" r:embed="rId5"/>
-              </a:ext>
-            </a:extLst>
-          </a:blip>
-          <a:srcRect/>
-          <a:stretch/>
-        </p:blipFill>
-        <p:spPr>
-          <a:xfrm>
-            <a:off x="4553111" y="2935701"/>
-            <a:ext cx="2102136" cy="2102136"/>
-          </a:xfrm>
-          <a:prstGeom prst="rect">
-            <a:avLst/>
-          </a:prstGeom>
-        </p:spPr>
-      </p:pic>
-      <p:sp>
-        <p:nvSpPr>
-          <p:cNvPr id="7" name="직사각형 6">
-            <a:extLst>
-              <a:ext uri="{FF2B5EF4-FFF2-40B4-BE49-F238E27FC236}">
-                <a16:creationId xmlns:a16="http://schemas.microsoft.com/office/drawing/2014/main" id="{20B4ABBE-6CB0-BCD9-0170-553F8DF561F6}"/>
-              </a:ext>
-            </a:extLst>
-          </p:cNvPr>
-          <p:cNvSpPr/>
-          <p:nvPr/>
-        </p:nvSpPr>
-        <p:spPr>
-          <a:xfrm>
-            <a:off x="4716016" y="3651870"/>
-            <a:ext cx="2232248" cy="432048"/>
-          </a:xfrm>
-          <a:prstGeom prst="rect">
-            <a:avLst/>
-          </a:prstGeom>
-          <a:noFill/>
-          <a:ln>
-            <a:noFill/>
-          </a:ln>
-        </p:spPr>
-        <p:style>
-          <a:lnRef idx="2">
-            <a:schemeClr val="accent1">
-              <a:shade val="50000"/>
-            </a:schemeClr>
-          </a:lnRef>
-          <a:fillRef idx="1">
-            <a:schemeClr val="accent1"/>
-          </a:fillRef>
-          <a:effectRef idx="0">
-            <a:schemeClr val="accent1"/>
-          </a:effectRef>
-          <a:fontRef idx="minor">
-            <a:schemeClr val="lt1"/>
-          </a:fontRef>
-        </p:style>
-        <p:txBody>
-          <a:bodyPr rtlCol="0" anchor="ctr"/>
-          <a:lstStyle/>
-          <a:p>
-            <a:pPr algn="ctr"/>
-            <a:r>
-              <a:rPr lang="ko-KR" altLang="en-US" sz="2400" b="1" dirty="0" err="1">
-                <a:solidFill>
-                  <a:schemeClr val="accent1">
-                    <a:lumMod val="75000"/>
-                  </a:schemeClr>
-                </a:solidFill>
-                <a:latin typeface="맑은 고딕" panose="020B0503020000020004" pitchFamily="50" charset="-127"/>
-                <a:ea typeface="맑은 고딕" panose="020B0503020000020004" pitchFamily="50" charset="-127"/>
-              </a:rPr>
-              <a:t>파인튜닝</a:t>
-            </a:r>
-            <a:r>
-              <a:rPr lang="ko-KR" altLang="en-US" sz="2400" b="1" dirty="0">
-                <a:solidFill>
-                  <a:schemeClr val="accent1">
-                    <a:lumMod val="75000"/>
-                  </a:schemeClr>
-                </a:solidFill>
-                <a:latin typeface="맑은 고딕" panose="020B0503020000020004" pitchFamily="50" charset="-127"/>
-                <a:ea typeface="맑은 고딕" panose="020B0503020000020004" pitchFamily="50" charset="-127"/>
-              </a:rPr>
-              <a:t> 중</a:t>
-            </a:r>
-            <a:r>
-              <a:rPr lang="en-US" altLang="ko-KR" sz="2400" b="1" dirty="0">
-                <a:solidFill>
-                  <a:schemeClr val="accent1">
-                    <a:lumMod val="75000"/>
-                  </a:schemeClr>
-                </a:solidFill>
-                <a:latin typeface="맑은 고딕" panose="020B0503020000020004" pitchFamily="50" charset="-127"/>
-                <a:ea typeface="맑은 고딕" panose="020B0503020000020004" pitchFamily="50" charset="-127"/>
-              </a:rPr>
-              <a:t>..</a:t>
-            </a:r>
-            <a:endParaRPr lang="ko-KR" altLang="en-US" sz="2400" b="1" dirty="0">
-              <a:solidFill>
-                <a:schemeClr val="accent1">
-                  <a:lumMod val="75000"/>
-                </a:schemeClr>
-              </a:solidFill>
-              <a:latin typeface="맑은 고딕" panose="020B0503020000020004" pitchFamily="50" charset="-127"/>
-              <a:ea typeface="맑은 고딕" panose="020B0503020000020004" pitchFamily="50" charset="-127"/>
-            </a:endParaRPr>
-          </a:p>
-        </p:txBody>
-      </p:sp>
-      <p:sp>
-        <p:nvSpPr>
-          <p:cNvPr id="8" name="직사각형 7">
-            <a:extLst>
-              <a:ext uri="{FF2B5EF4-FFF2-40B4-BE49-F238E27FC236}">
-                <a16:creationId xmlns:a16="http://schemas.microsoft.com/office/drawing/2014/main" id="{443E7BDC-5DA1-4BD0-BF8A-C3B016D87843}"/>
-              </a:ext>
-            </a:extLst>
-          </p:cNvPr>
-          <p:cNvSpPr/>
-          <p:nvPr/>
-        </p:nvSpPr>
-        <p:spPr>
-          <a:xfrm>
-            <a:off x="4441225" y="3536457"/>
-            <a:ext cx="2473841" cy="576064"/>
-          </a:xfrm>
-          <a:prstGeom prst="rect">
-            <a:avLst/>
-          </a:prstGeom>
-          <a:solidFill>
-            <a:srgbClr val="FF0000"/>
-          </a:solidFill>
-          <a:ln>
-            <a:noFill/>
-          </a:ln>
-        </p:spPr>
-        <p:style>
-          <a:lnRef idx="2">
-            <a:schemeClr val="accent1">
-              <a:shade val="50000"/>
-            </a:schemeClr>
-          </a:lnRef>
-          <a:fillRef idx="1">
-            <a:schemeClr val="accent1"/>
-          </a:fillRef>
-          <a:effectRef idx="0">
-            <a:schemeClr val="accent1"/>
-          </a:effectRef>
-          <a:fontRef idx="minor">
-            <a:schemeClr val="lt1"/>
-          </a:fontRef>
-        </p:style>
-        <p:txBody>
-          <a:bodyPr rtlCol="0" anchor="ctr"/>
-          <a:lstStyle/>
-          <a:p>
-            <a:pPr algn="ctr"/>
-            <a:r>
-              <a:rPr lang="en-US" altLang="ko-KR" dirty="0">
-                <a:latin typeface="맑은 고딕" panose="020B0503020000020004" pitchFamily="50" charset="-127"/>
-                <a:ea typeface="맑은 고딕" panose="020B0503020000020004" pitchFamily="50" charset="-127"/>
-              </a:rPr>
-              <a:t>CUDA Out Of Memory</a:t>
-            </a:r>
-            <a:endParaRPr lang="ko-KR" altLang="en-US" dirty="0">
-              <a:latin typeface="맑은 고딕" panose="020B0503020000020004" pitchFamily="50" charset="-127"/>
-              <a:ea typeface="맑은 고딕" panose="020B0503020000020004" pitchFamily="50" charset="-127"/>
-            </a:endParaRPr>
-          </a:p>
-        </p:txBody>
-      </p:sp>
-      <p:grpSp>
-        <p:nvGrpSpPr>
-          <p:cNvPr id="9" name="그룹 8">
-            <a:extLst>
-              <a:ext uri="{FF2B5EF4-FFF2-40B4-BE49-F238E27FC236}">
-                <a16:creationId xmlns:a16="http://schemas.microsoft.com/office/drawing/2014/main" id="{F2709A11-40E9-0967-2EA9-00C96E1204AE}"/>
-              </a:ext>
-            </a:extLst>
-          </p:cNvPr>
-          <p:cNvGrpSpPr/>
-          <p:nvPr/>
-        </p:nvGrpSpPr>
-        <p:grpSpPr>
-          <a:xfrm>
-            <a:off x="6056962" y="1666354"/>
-            <a:ext cx="1899414" cy="1272608"/>
-            <a:chOff x="1933231" y="516822"/>
-            <a:chExt cx="1899414" cy="1272608"/>
-          </a:xfrm>
-        </p:grpSpPr>
-        <p:sp>
-          <p:nvSpPr>
-            <p:cNvPr id="10" name="생각 풍선: 구름 모양 9">
-              <a:extLst>
-                <a:ext uri="{FF2B5EF4-FFF2-40B4-BE49-F238E27FC236}">
-                  <a16:creationId xmlns:a16="http://schemas.microsoft.com/office/drawing/2014/main" id="{5AAF1799-27B4-D496-C8C4-A1C60DC7FC67}"/>
-                </a:ext>
-              </a:extLst>
-            </p:cNvPr>
-            <p:cNvSpPr/>
-            <p:nvPr/>
-          </p:nvSpPr>
-          <p:spPr>
-            <a:xfrm>
-              <a:off x="1933231" y="516822"/>
-              <a:ext cx="1899414" cy="1272608"/>
-            </a:xfrm>
-            <a:prstGeom prst="cloudCallout">
-              <a:avLst/>
-            </a:prstGeom>
-            <a:solidFill>
-              <a:srgbClr val="9AD3E9"/>
-            </a:solidFill>
-            <a:ln>
-              <a:noFill/>
-            </a:ln>
-          </p:spPr>
-          <p:style>
-            <a:lnRef idx="2">
-              <a:schemeClr val="accent1">
-                <a:shade val="50000"/>
-              </a:schemeClr>
-            </a:lnRef>
-            <a:fillRef idx="1">
-              <a:schemeClr val="accent1"/>
-            </a:fillRef>
-            <a:effectRef idx="0">
-              <a:schemeClr val="accent1"/>
-            </a:effectRef>
-            <a:fontRef idx="minor">
-              <a:schemeClr val="lt1"/>
-            </a:fontRef>
-          </p:style>
-          <p:txBody>
-            <a:bodyPr rtlCol="0" anchor="ctr"/>
-            <a:lstStyle/>
-            <a:p>
-              <a:pPr algn="ctr"/>
-              <a:endParaRPr lang="ko-KR" altLang="en-US" dirty="0">
-                <a:latin typeface="맑은 고딕" panose="020B0503020000020004" pitchFamily="50" charset="-127"/>
-                <a:ea typeface="맑은 고딕" panose="020B0503020000020004" pitchFamily="50" charset="-127"/>
-              </a:endParaRPr>
-            </a:p>
-          </p:txBody>
-        </p:sp>
-        <p:sp>
-          <p:nvSpPr>
-            <p:cNvPr id="11" name="생각 풍선: 구름 모양 10">
-              <a:extLst>
-                <a:ext uri="{FF2B5EF4-FFF2-40B4-BE49-F238E27FC236}">
-                  <a16:creationId xmlns:a16="http://schemas.microsoft.com/office/drawing/2014/main" id="{AA0F0185-6611-AE66-428C-FFB565CC5315}"/>
-                </a:ext>
-              </a:extLst>
-            </p:cNvPr>
-            <p:cNvSpPr/>
-            <p:nvPr/>
-          </p:nvSpPr>
-          <p:spPr>
-            <a:xfrm>
-              <a:off x="1983817" y="556378"/>
-              <a:ext cx="1781158" cy="1180135"/>
-            </a:xfrm>
-            <a:prstGeom prst="cloudCallout">
-              <a:avLst/>
-            </a:prstGeom>
-            <a:solidFill>
-              <a:schemeClr val="bg1"/>
-            </a:solidFill>
-            <a:ln>
-              <a:noFill/>
-            </a:ln>
-          </p:spPr>
-          <p:style>
-            <a:lnRef idx="2">
-              <a:schemeClr val="accent1">
-                <a:shade val="50000"/>
-              </a:schemeClr>
-            </a:lnRef>
-            <a:fillRef idx="1">
-              <a:schemeClr val="accent1"/>
-            </a:fillRef>
-            <a:effectRef idx="0">
-              <a:schemeClr val="accent1"/>
-            </a:effectRef>
-            <a:fontRef idx="minor">
-              <a:schemeClr val="lt1"/>
-            </a:fontRef>
-          </p:style>
-          <p:txBody>
-            <a:bodyPr rtlCol="0" anchor="ctr"/>
-            <a:lstStyle/>
-            <a:p>
-              <a:pPr algn="ctr"/>
-              <a:endParaRPr lang="ko-KR" altLang="en-US" dirty="0">
-                <a:latin typeface="맑은 고딕" panose="020B0503020000020004" pitchFamily="50" charset="-127"/>
-                <a:ea typeface="맑은 고딕" panose="020B0503020000020004" pitchFamily="50" charset="-127"/>
-              </a:endParaRPr>
-            </a:p>
-          </p:txBody>
-        </p:sp>
-        <p:sp>
-          <p:nvSpPr>
-            <p:cNvPr id="12" name="생각 풍선: 구름 모양 11">
-              <a:extLst>
-                <a:ext uri="{FF2B5EF4-FFF2-40B4-BE49-F238E27FC236}">
-                  <a16:creationId xmlns:a16="http://schemas.microsoft.com/office/drawing/2014/main" id="{BAC56A15-2508-591C-7133-C12606E39A1D}"/>
-                </a:ext>
-              </a:extLst>
-            </p:cNvPr>
-            <p:cNvSpPr/>
-            <p:nvPr/>
-          </p:nvSpPr>
-          <p:spPr>
-            <a:xfrm>
-              <a:off x="2021925" y="576247"/>
-              <a:ext cx="1692074" cy="1133690"/>
-            </a:xfrm>
-            <a:prstGeom prst="cloudCallout">
-              <a:avLst/>
-            </a:prstGeom>
-            <a:solidFill>
-              <a:srgbClr val="9AD3E9"/>
-            </a:solidFill>
-            <a:ln>
-              <a:noFill/>
-            </a:ln>
-          </p:spPr>
-          <p:style>
-            <a:lnRef idx="2">
-              <a:schemeClr val="accent1">
-                <a:shade val="50000"/>
-              </a:schemeClr>
-            </a:lnRef>
-            <a:fillRef idx="1">
-              <a:schemeClr val="accent1"/>
-            </a:fillRef>
-            <a:effectRef idx="0">
-              <a:schemeClr val="accent1"/>
-            </a:effectRef>
-            <a:fontRef idx="minor">
-              <a:schemeClr val="lt1"/>
-            </a:fontRef>
-          </p:style>
-          <p:txBody>
-            <a:bodyPr rtlCol="0" anchor="ctr"/>
-            <a:lstStyle/>
-            <a:p>
-              <a:pPr algn="ctr"/>
-              <a:endParaRPr lang="ko-KR" altLang="en-US" sz="1400" dirty="0">
-                <a:latin typeface="맑은 고딕" panose="020B0503020000020004" pitchFamily="50" charset="-127"/>
-                <a:ea typeface="맑은 고딕" panose="020B0503020000020004" pitchFamily="50" charset="-127"/>
-              </a:endParaRPr>
-            </a:p>
-          </p:txBody>
-        </p:sp>
-        <p:sp>
-          <p:nvSpPr>
-            <p:cNvPr id="13" name="TextBox 12">
-              <a:extLst>
-                <a:ext uri="{FF2B5EF4-FFF2-40B4-BE49-F238E27FC236}">
-                  <a16:creationId xmlns:a16="http://schemas.microsoft.com/office/drawing/2014/main" id="{7B40185E-1550-1181-0B3B-5533CA064D8C}"/>
-                </a:ext>
-              </a:extLst>
-            </p:cNvPr>
-            <p:cNvSpPr txBox="1"/>
-            <p:nvPr/>
-          </p:nvSpPr>
-          <p:spPr>
-            <a:xfrm>
-              <a:off x="2068452" y="753360"/>
-              <a:ext cx="1683655" cy="923330"/>
-            </a:xfrm>
-            <a:prstGeom prst="rect">
-              <a:avLst/>
-            </a:prstGeom>
-            <a:noFill/>
-          </p:spPr>
-          <p:txBody>
-            <a:bodyPr wrap="square">
-              <a:spAutoFit/>
-            </a:bodyPr>
-            <a:lstStyle/>
-            <a:p>
-              <a:pPr algn="ctr"/>
-              <a:r>
-                <a:rPr lang="ko-KR" altLang="en-US" b="1" dirty="0">
-                  <a:latin typeface="맑은 고딕" panose="020B0503020000020004" pitchFamily="50" charset="-127"/>
-                  <a:ea typeface="맑은 고딕" panose="020B0503020000020004" pitchFamily="50" charset="-127"/>
-                </a:rPr>
-                <a:t>내 메모리가 부족한 탓일까</a:t>
-              </a:r>
-              <a:r>
-                <a:rPr lang="en-US" altLang="ko-KR" b="1" dirty="0">
-                  <a:latin typeface="맑은 고딕" panose="020B0503020000020004" pitchFamily="50" charset="-127"/>
-                  <a:ea typeface="맑은 고딕" panose="020B0503020000020004" pitchFamily="50" charset="-127"/>
-                </a:rPr>
-                <a:t>? </a:t>
-              </a:r>
-            </a:p>
-            <a:p>
-              <a:pPr algn="ctr"/>
-              <a:r>
-                <a:rPr lang="ko-KR" altLang="en-US" b="1" dirty="0" err="1">
-                  <a:latin typeface="맑은 고딕" panose="020B0503020000020004" pitchFamily="50" charset="-127"/>
-                  <a:ea typeface="맑은 고딕" panose="020B0503020000020004" pitchFamily="50" charset="-127"/>
-                </a:rPr>
-                <a:t>ㅜ</a:t>
-              </a:r>
-              <a:r>
-                <a:rPr lang="en-US" altLang="ko-KR" b="1" dirty="0">
-                  <a:latin typeface="맑은 고딕" panose="020B0503020000020004" pitchFamily="50" charset="-127"/>
-                  <a:ea typeface="맑은 고딕" panose="020B0503020000020004" pitchFamily="50" charset="-127"/>
-                </a:rPr>
-                <a:t>.</a:t>
-              </a:r>
-              <a:r>
-                <a:rPr lang="ko-KR" altLang="en-US" b="1" dirty="0" err="1">
-                  <a:latin typeface="맑은 고딕" panose="020B0503020000020004" pitchFamily="50" charset="-127"/>
-                  <a:ea typeface="맑은 고딕" panose="020B0503020000020004" pitchFamily="50" charset="-127"/>
-                </a:rPr>
-                <a:t>ㅜ</a:t>
-              </a:r>
-              <a:endParaRPr lang="ko-KR" altLang="en-US" b="1" dirty="0">
-                <a:latin typeface="맑은 고딕" panose="020B0503020000020004" pitchFamily="50" charset="-127"/>
-                <a:ea typeface="맑은 고딕" panose="020B0503020000020004" pitchFamily="50" charset="-127"/>
-              </a:endParaRPr>
-            </a:p>
-          </p:txBody>
-        </p:sp>
-      </p:grpSp>
-      <p:sp>
-        <p:nvSpPr>
-          <p:cNvPr id="18" name="TextBox 17">
-            <a:extLst>
-              <a:ext uri="{FF2B5EF4-FFF2-40B4-BE49-F238E27FC236}">
-                <a16:creationId xmlns:a16="http://schemas.microsoft.com/office/drawing/2014/main" id="{31471316-B674-CF9B-82CA-95F22A26B2A6}"/>
-              </a:ext>
-            </a:extLst>
-          </p:cNvPr>
-          <p:cNvSpPr txBox="1"/>
-          <p:nvPr/>
-        </p:nvSpPr>
-        <p:spPr>
-          <a:xfrm>
-            <a:off x="4505775" y="4752619"/>
-            <a:ext cx="2196808" cy="369332"/>
-          </a:xfrm>
-          <a:prstGeom prst="rect">
-            <a:avLst/>
-          </a:prstGeom>
-          <a:noFill/>
-        </p:spPr>
-        <p:txBody>
-          <a:bodyPr wrap="square">
-            <a:spAutoFit/>
-          </a:bodyPr>
-          <a:lstStyle/>
-          <a:p>
-            <a:pPr marL="0" marR="0" lvl="0" indent="0" algn="ctr" defTabSz="914400" rtl="0" eaLnBrk="1" fontAlgn="auto" latinLnBrk="1" hangingPunct="1">
-              <a:lnSpc>
-                <a:spcPct val="100000"/>
-              </a:lnSpc>
-              <a:spcBef>
-                <a:spcPts val="0"/>
-              </a:spcBef>
-              <a:spcAft>
-                <a:spcPts val="0"/>
-              </a:spcAft>
-              <a:buClrTx/>
-              <a:buSzTx/>
-              <a:buFontTx/>
-              <a:buNone/>
-              <a:tabLst/>
-              <a:defRPr/>
-            </a:pPr>
-            <a:r>
-              <a:rPr lang="en-US" altLang="ko-KR" dirty="0">
-                <a:solidFill>
-                  <a:prstClr val="black"/>
-                </a:solidFill>
-                <a:latin typeface="맑은 고딕" panose="020B0503020000020004" pitchFamily="50" charset="-127"/>
-                <a:ea typeface="맑은 고딕" panose="020B0503020000020004" pitchFamily="50" charset="-127"/>
-              </a:rPr>
-              <a:t>A4500 20GB </a:t>
-            </a:r>
-            <a:r>
-              <a:rPr lang="ko-KR" altLang="en-US" dirty="0">
-                <a:solidFill>
-                  <a:prstClr val="black"/>
-                </a:solidFill>
-                <a:latin typeface="맑은 고딕" panose="020B0503020000020004" pitchFamily="50" charset="-127"/>
-                <a:ea typeface="맑은 고딕" panose="020B0503020000020004" pitchFamily="50" charset="-127"/>
-              </a:rPr>
-              <a:t>두 장</a:t>
-            </a:r>
-            <a:endParaRPr lang="en-US" altLang="ko-KR" dirty="0">
-              <a:solidFill>
-                <a:prstClr val="black"/>
-              </a:solidFill>
-              <a:latin typeface="맑은 고딕" panose="020B0503020000020004" pitchFamily="50" charset="-127"/>
-              <a:ea typeface="맑은 고딕" panose="020B0503020000020004" pitchFamily="50" charset="-127"/>
-            </a:endParaRPr>
-          </a:p>
-        </p:txBody>
-      </p:sp>
-      <p:sp>
-        <p:nvSpPr>
-          <p:cNvPr id="4" name="직사각형 3">
-            <a:extLst>
-              <a:ext uri="{FF2B5EF4-FFF2-40B4-BE49-F238E27FC236}">
-                <a16:creationId xmlns:a16="http://schemas.microsoft.com/office/drawing/2014/main" id="{E765DBDB-7A85-16BB-948C-C1CAB4F164EB}"/>
-              </a:ext>
-            </a:extLst>
-          </p:cNvPr>
-          <p:cNvSpPr/>
-          <p:nvPr/>
-        </p:nvSpPr>
-        <p:spPr>
-          <a:xfrm>
-            <a:off x="1259632" y="2211710"/>
-            <a:ext cx="481204" cy="674335"/>
-          </a:xfrm>
-          <a:prstGeom prst="rect">
-            <a:avLst/>
-          </a:prstGeom>
-          <a:solidFill>
-            <a:schemeClr val="bg1"/>
-          </a:solidFill>
-          <a:ln>
-            <a:noFill/>
-          </a:ln>
-        </p:spPr>
-        <p:style>
-          <a:lnRef idx="2">
-            <a:schemeClr val="accent1">
-              <a:shade val="50000"/>
-            </a:schemeClr>
-          </a:lnRef>
-          <a:fillRef idx="1">
-            <a:schemeClr val="accent1"/>
-          </a:fillRef>
-          <a:effectRef idx="0">
-            <a:schemeClr val="accent1"/>
-          </a:effectRef>
-          <a:fontRef idx="minor">
-            <a:schemeClr val="lt1"/>
-          </a:fontRef>
-        </p:style>
-        <p:txBody>
-          <a:bodyPr rtlCol="0" anchor="ctr"/>
-          <a:lstStyle/>
-          <a:p>
             <a:pPr algn="ctr"/>
             <a:endParaRPr lang="ko-KR" altLang="en-US"/>
           </a:p>
         </p:txBody>
       </p:sp>
-      <p:pic>
-        <p:nvPicPr>
-          <p:cNvPr id="5" name="그림 4">
-            <a:extLst>
-              <a:ext uri="{FF2B5EF4-FFF2-40B4-BE49-F238E27FC236}">
-                <a16:creationId xmlns:a16="http://schemas.microsoft.com/office/drawing/2014/main" id="{8447E420-8516-580E-5667-942AA0394DE9}"/>
-              </a:ext>
-            </a:extLst>
-          </p:cNvPr>
-          <p:cNvPicPr>
-            <a:picLocks noChangeAspect="1"/>
-          </p:cNvPicPr>
-          <p:nvPr/>
-        </p:nvPicPr>
-        <p:blipFill>
-          <a:blip r:embed="rId6"/>
-          <a:stretch>
-            <a:fillRect/>
-          </a:stretch>
-        </p:blipFill>
-        <p:spPr>
-          <a:xfrm>
-            <a:off x="1204696" y="2211709"/>
-            <a:ext cx="603623" cy="674335"/>
-          </a:xfrm>
-          <a:prstGeom prst="rect">
-            <a:avLst/>
-          </a:prstGeom>
-        </p:spPr>
-      </p:pic>
-      <p:pic>
-        <p:nvPicPr>
-          <p:cNvPr id="14" name="그림 13">
-            <a:extLst>
-              <a:ext uri="{FF2B5EF4-FFF2-40B4-BE49-F238E27FC236}">
-                <a16:creationId xmlns:a16="http://schemas.microsoft.com/office/drawing/2014/main" id="{7C0DD59A-D160-4F65-0613-6DBEEB9FDED0}"/>
-              </a:ext>
-            </a:extLst>
-          </p:cNvPr>
-          <p:cNvPicPr>
-            <a:picLocks noChangeAspect="1"/>
-          </p:cNvPicPr>
-          <p:nvPr/>
-        </p:nvPicPr>
-        <p:blipFill>
-          <a:blip r:embed="rId6"/>
-          <a:stretch>
-            <a:fillRect/>
-          </a:stretch>
-        </p:blipFill>
-        <p:spPr>
-          <a:xfrm>
-            <a:off x="1204696" y="2211708"/>
-            <a:ext cx="603623" cy="674335"/>
-          </a:xfrm>
-          <a:prstGeom prst="rect">
-            <a:avLst/>
-          </a:prstGeom>
-        </p:spPr>
-      </p:pic>
     </p:spTree>
     <p:extLst>
       <p:ext uri="{BB962C8B-B14F-4D97-AF65-F5344CB8AC3E}">
@@ -16511,13 +17047,13 @@
   <p:clrMapOvr>
     <a:masterClrMapping/>
   </p:clrMapOvr>
-  <mc:AlternateContent xmlns:mc="http://schemas.openxmlformats.org/markup-compatibility/2006" xmlns:p159="http://schemas.microsoft.com/office/powerpoint/2015/09/main">
-    <mc:Choice Requires="p159">
+  <mc:AlternateContent xmlns:mc="http://schemas.openxmlformats.org/markup-compatibility/2006">
+    <mc:Choice xmlns:p159="http://schemas.microsoft.com/office/powerpoint/2015/09/main" xmlns="" Requires="p159">
       <p:transition xmlns:p14="http://schemas.microsoft.com/office/powerpoint/2010/main" spd="slow" p14:dur="1500">
         <p159:morph option="byObject"/>
       </p:transition>
     </mc:Choice>
-    <mc:Fallback xmlns="">
+    <mc:Fallback>
       <p:transition spd="slow">
         <p:fade/>
       </p:transition>
@@ -16526,477 +17062,9 @@
   <p:timing>
     <p:tnLst>
       <p:par>
-        <p:cTn id="1" dur="indefinite" restart="never" nodeType="tmRoot">
-          <p:childTnLst>
-            <p:seq concurrent="1" nextAc="seek">
-              <p:cTn id="2" dur="indefinite" nodeType="mainSeq">
-                <p:childTnLst>
-                  <p:par>
-                    <p:cTn id="3" fill="hold">
-                      <p:stCondLst>
-                        <p:cond delay="indefinite"/>
-                        <p:cond evt="onBegin" delay="0">
-                          <p:tn val="2"/>
-                        </p:cond>
-                      </p:stCondLst>
-                      <p:childTnLst>
-                        <p:par>
-                          <p:cTn id="4" fill="hold">
-                            <p:stCondLst>
-                              <p:cond delay="0"/>
-                            </p:stCondLst>
-                            <p:childTnLst>
-                              <p:par>
-                                <p:cTn id="5" presetID="1" presetClass="entr" presetSubtype="0" fill="hold" nodeType="afterEffect">
-                                  <p:stCondLst>
-                                    <p:cond delay="0"/>
-                                  </p:stCondLst>
-                                  <p:childTnLst>
-                                    <p:set>
-                                      <p:cBhvr>
-                                        <p:cTn id="6" dur="1" fill="hold">
-                                          <p:stCondLst>
-                                            <p:cond delay="0"/>
-                                          </p:stCondLst>
-                                        </p:cTn>
-                                        <p:tgtEl>
-                                          <p:spTgt spid="5"/>
-                                        </p:tgtEl>
-                                        <p:attrNameLst>
-                                          <p:attrName>style.visibility</p:attrName>
-                                        </p:attrNameLst>
-                                      </p:cBhvr>
-                                      <p:to>
-                                        <p:strVal val="visible"/>
-                                      </p:to>
-                                    </p:set>
-                                  </p:childTnLst>
-                                </p:cTn>
-                              </p:par>
-                            </p:childTnLst>
-                          </p:cTn>
-                        </p:par>
-                        <p:par>
-                          <p:cTn id="7" fill="hold">
-                            <p:stCondLst>
-                              <p:cond delay="0"/>
-                            </p:stCondLst>
-                            <p:childTnLst>
-                              <p:par>
-                                <p:cTn id="8" presetID="1" presetClass="entr" presetSubtype="0" fill="hold" nodeType="afterEffect">
-                                  <p:stCondLst>
-                                    <p:cond delay="0"/>
-                                  </p:stCondLst>
-                                  <p:childTnLst>
-                                    <p:set>
-                                      <p:cBhvr>
-                                        <p:cTn id="9" dur="1" fill="hold">
-                                          <p:stCondLst>
-                                            <p:cond delay="0"/>
-                                          </p:stCondLst>
-                                        </p:cTn>
-                                        <p:tgtEl>
-                                          <p:spTgt spid="14"/>
-                                        </p:tgtEl>
-                                        <p:attrNameLst>
-                                          <p:attrName>style.visibility</p:attrName>
-                                        </p:attrNameLst>
-                                      </p:cBhvr>
-                                      <p:to>
-                                        <p:strVal val="visible"/>
-                                      </p:to>
-                                    </p:set>
-                                  </p:childTnLst>
-                                </p:cTn>
-                              </p:par>
-                            </p:childTnLst>
-                          </p:cTn>
-                        </p:par>
-                      </p:childTnLst>
-                    </p:cTn>
-                  </p:par>
-                  <p:par>
-                    <p:cTn id="10" fill="hold">
-                      <p:stCondLst>
-                        <p:cond delay="indefinite"/>
-                      </p:stCondLst>
-                      <p:childTnLst>
-                        <p:par>
-                          <p:cTn id="11" fill="hold">
-                            <p:stCondLst>
-                              <p:cond delay="0"/>
-                            </p:stCondLst>
-                            <p:childTnLst>
-                              <p:par>
-                                <p:cTn id="12" presetID="1" presetClass="entr" presetSubtype="0" fill="hold" nodeType="clickEffect">
-                                  <p:stCondLst>
-                                    <p:cond delay="0"/>
-                                  </p:stCondLst>
-                                  <p:childTnLst>
-                                    <p:set>
-                                      <p:cBhvr>
-                                        <p:cTn id="13" dur="1" fill="hold">
-                                          <p:stCondLst>
-                                            <p:cond delay="0"/>
-                                          </p:stCondLst>
-                                        </p:cTn>
-                                        <p:tgtEl>
-                                          <p:spTgt spid="3"/>
-                                        </p:tgtEl>
-                                        <p:attrNameLst>
-                                          <p:attrName>style.visibility</p:attrName>
-                                        </p:attrNameLst>
-                                      </p:cBhvr>
-                                      <p:to>
-                                        <p:strVal val="visible"/>
-                                      </p:to>
-                                    </p:set>
-                                  </p:childTnLst>
-                                </p:cTn>
-                              </p:par>
-                            </p:childTnLst>
-                          </p:cTn>
-                        </p:par>
-                        <p:par>
-                          <p:cTn id="14" fill="hold">
-                            <p:stCondLst>
-                              <p:cond delay="0"/>
-                            </p:stCondLst>
-                            <p:childTnLst>
-                              <p:par>
-                                <p:cTn id="15" presetID="1" presetClass="entr" presetSubtype="0" fill="hold" grpId="0" nodeType="afterEffect">
-                                  <p:stCondLst>
-                                    <p:cond delay="0"/>
-                                  </p:stCondLst>
-                                  <p:childTnLst>
-                                    <p:set>
-                                      <p:cBhvr>
-                                        <p:cTn id="16" dur="1" fill="hold">
-                                          <p:stCondLst>
-                                            <p:cond delay="0"/>
-                                          </p:stCondLst>
-                                        </p:cTn>
-                                        <p:tgtEl>
-                                          <p:spTgt spid="18"/>
-                                        </p:tgtEl>
-                                        <p:attrNameLst>
-                                          <p:attrName>style.visibility</p:attrName>
-                                        </p:attrNameLst>
-                                      </p:cBhvr>
-                                      <p:to>
-                                        <p:strVal val="visible"/>
-                                      </p:to>
-                                    </p:set>
-                                  </p:childTnLst>
-                                </p:cTn>
-                              </p:par>
-                            </p:childTnLst>
-                          </p:cTn>
-                        </p:par>
-                      </p:childTnLst>
-                    </p:cTn>
-                  </p:par>
-                  <p:par>
-                    <p:cTn id="17" fill="hold">
-                      <p:stCondLst>
-                        <p:cond delay="indefinite"/>
-                      </p:stCondLst>
-                      <p:childTnLst>
-                        <p:par>
-                          <p:cTn id="18" fill="hold">
-                            <p:stCondLst>
-                              <p:cond delay="0"/>
-                            </p:stCondLst>
-                            <p:childTnLst>
-                              <p:par>
-                                <p:cTn id="19" presetID="0" presetClass="path" presetSubtype="0" accel="50000" decel="50000" fill="hold" nodeType="clickEffect">
-                                  <p:stCondLst>
-                                    <p:cond delay="0"/>
-                                  </p:stCondLst>
-                                  <p:childTnLst>
-                                    <p:animMotion origin="layout" path="M -0.00226 -0.00556 L -0.00226 -0.00556 C 0.00486 -0.00617 0.01198 -0.00802 0.01927 -0.00741 C 0.06493 -0.00432 0.06423 -0.00031 0.10694 0.01111 C 0.11892 0.01451 0.13107 0.01605 0.14288 0.02006 C 0.15416 0.02377 0.19618 0.04599 0.2026 0.04938 C 0.21111 0.05432 0.21996 0.05833 0.22795 0.06512 C 0.24253 0.07778 0.25486 0.09815 0.26996 0.10741 C 0.27795 0.11235 0.28611 0.11605 0.29375 0.12222 C 0.30503 0.13148 0.3151 0.14599 0.32691 0.1537 C 0.33663 0.15988 0.3559 0.17191 0.36493 0.18025 C 0.37691 0.19105 0.38819 0.2037 0.39982 0.21543 C 0.40139 0.21698 0.40312 0.21852 0.40468 0.22037 C 0.40677 0.22253 0.40868 0.22531 0.41076 0.22716 C 0.41771 0.23395 0.42587 0.23951 0.43229 0.24784 C 0.43489 0.25123 0.4368 0.25586 0.43958 0.25864 C 0.44305 0.26235 0.45121 0.26667 0.45121 0.26667 " pathEditMode="relative" ptsTypes="AAAAAAAAAAAAAAAAA">
-                                      <p:cBhvr>
-                                        <p:cTn id="20" dur="2000" fill="hold"/>
-                                        <p:tgtEl>
-                                          <p:spTgt spid="14"/>
-                                        </p:tgtEl>
-                                        <p:attrNameLst>
-                                          <p:attrName>ppt_x</p:attrName>
-                                          <p:attrName>ppt_y</p:attrName>
-                                        </p:attrNameLst>
-                                      </p:cBhvr>
-                                    </p:animMotion>
-                                  </p:childTnLst>
-                                </p:cTn>
-                              </p:par>
-                            </p:childTnLst>
-                          </p:cTn>
-                        </p:par>
-                        <p:par>
-                          <p:cTn id="21" fill="hold">
-                            <p:stCondLst>
-                              <p:cond delay="2000"/>
-                            </p:stCondLst>
-                            <p:childTnLst>
-                              <p:par>
-                                <p:cTn id="22" presetID="1" presetClass="exit" presetSubtype="0" fill="hold" nodeType="afterEffect">
-                                  <p:stCondLst>
-                                    <p:cond delay="0"/>
-                                  </p:stCondLst>
-                                  <p:childTnLst>
-                                    <p:set>
-                                      <p:cBhvr>
-                                        <p:cTn id="23" dur="1" fill="hold">
-                                          <p:stCondLst>
-                                            <p:cond delay="0"/>
-                                          </p:stCondLst>
-                                        </p:cTn>
-                                        <p:tgtEl>
-                                          <p:spTgt spid="14"/>
-                                        </p:tgtEl>
-                                        <p:attrNameLst>
-                                          <p:attrName>style.visibility</p:attrName>
-                                        </p:attrNameLst>
-                                      </p:cBhvr>
-                                      <p:to>
-                                        <p:strVal val="hidden"/>
-                                      </p:to>
-                                    </p:set>
-                                  </p:childTnLst>
-                                </p:cTn>
-                              </p:par>
-                            </p:childTnLst>
-                          </p:cTn>
-                        </p:par>
-                        <p:par>
-                          <p:cTn id="24" fill="hold">
-                            <p:stCondLst>
-                              <p:cond delay="2000"/>
-                            </p:stCondLst>
-                            <p:childTnLst>
-                              <p:par>
-                                <p:cTn id="25" presetID="1" presetClass="entr" presetSubtype="0" fill="hold" grpId="0" nodeType="afterEffect">
-                                  <p:stCondLst>
-                                    <p:cond delay="0"/>
-                                  </p:stCondLst>
-                                  <p:childTnLst>
-                                    <p:set>
-                                      <p:cBhvr>
-                                        <p:cTn id="26" dur="1" fill="hold">
-                                          <p:stCondLst>
-                                            <p:cond delay="0"/>
-                                          </p:stCondLst>
-                                        </p:cTn>
-                                        <p:tgtEl>
-                                          <p:spTgt spid="7"/>
-                                        </p:tgtEl>
-                                        <p:attrNameLst>
-                                          <p:attrName>style.visibility</p:attrName>
-                                        </p:attrNameLst>
-                                      </p:cBhvr>
-                                      <p:to>
-                                        <p:strVal val="visible"/>
-                                      </p:to>
-                                    </p:set>
-                                  </p:childTnLst>
-                                </p:cTn>
-                              </p:par>
-                            </p:childTnLst>
-                          </p:cTn>
-                        </p:par>
-                        <p:par>
-                          <p:cTn id="27" fill="hold">
-                            <p:stCondLst>
-                              <p:cond delay="2000"/>
-                            </p:stCondLst>
-                            <p:childTnLst>
-                              <p:par>
-                                <p:cTn id="28" presetID="8" presetClass="emph" presetSubtype="0" repeatCount="2000" fill="hold" nodeType="afterEffect">
-                                  <p:stCondLst>
-                                    <p:cond delay="0"/>
-                                  </p:stCondLst>
-                                  <p:childTnLst>
-                                    <p:animRot by="21600000">
-                                      <p:cBhvr>
-                                        <p:cTn id="29" dur="1000" fill="hold"/>
-                                        <p:tgtEl>
-                                          <p:spTgt spid="3"/>
-                                        </p:tgtEl>
-                                        <p:attrNameLst>
-                                          <p:attrName>r</p:attrName>
-                                        </p:attrNameLst>
-                                      </p:cBhvr>
-                                    </p:animRot>
-                                  </p:childTnLst>
-                                </p:cTn>
-                              </p:par>
-                            </p:childTnLst>
-                          </p:cTn>
-                        </p:par>
-                        <p:par>
-                          <p:cTn id="30" fill="hold">
-                            <p:stCondLst>
-                              <p:cond delay="4000"/>
-                            </p:stCondLst>
-                            <p:childTnLst>
-                              <p:par>
-                                <p:cTn id="31" presetID="1" presetClass="entr" presetSubtype="0" fill="hold" grpId="0" nodeType="afterEffect">
-                                  <p:stCondLst>
-                                    <p:cond delay="0"/>
-                                  </p:stCondLst>
-                                  <p:childTnLst>
-                                    <p:set>
-                                      <p:cBhvr>
-                                        <p:cTn id="32" dur="1" fill="hold">
-                                          <p:stCondLst>
-                                            <p:cond delay="0"/>
-                                          </p:stCondLst>
-                                        </p:cTn>
-                                        <p:tgtEl>
-                                          <p:spTgt spid="8"/>
-                                        </p:tgtEl>
-                                        <p:attrNameLst>
-                                          <p:attrName>style.visibility</p:attrName>
-                                        </p:attrNameLst>
-                                      </p:cBhvr>
-                                      <p:to>
-                                        <p:strVal val="visible"/>
-                                      </p:to>
-                                    </p:set>
-                                  </p:childTnLst>
-                                </p:cTn>
-                              </p:par>
-                            </p:childTnLst>
-                          </p:cTn>
-                        </p:par>
-                      </p:childTnLst>
-                    </p:cTn>
-                  </p:par>
-                  <p:par>
-                    <p:cTn id="33" fill="hold">
-                      <p:stCondLst>
-                        <p:cond delay="indefinite"/>
-                      </p:stCondLst>
-                      <p:childTnLst>
-                        <p:par>
-                          <p:cTn id="34" fill="hold">
-                            <p:stCondLst>
-                              <p:cond delay="0"/>
-                            </p:stCondLst>
-                            <p:childTnLst>
-                              <p:par>
-                                <p:cTn id="35" presetID="42" presetClass="entr" presetSubtype="0" fill="hold" nodeType="clickEffect">
-                                  <p:stCondLst>
-                                    <p:cond delay="0"/>
-                                  </p:stCondLst>
-                                  <p:childTnLst>
-                                    <p:set>
-                                      <p:cBhvr>
-                                        <p:cTn id="36" dur="1" fill="hold">
-                                          <p:stCondLst>
-                                            <p:cond delay="0"/>
-                                          </p:stCondLst>
-                                        </p:cTn>
-                                        <p:tgtEl>
-                                          <p:spTgt spid="9"/>
-                                        </p:tgtEl>
-                                        <p:attrNameLst>
-                                          <p:attrName>style.visibility</p:attrName>
-                                        </p:attrNameLst>
-                                      </p:cBhvr>
-                                      <p:to>
-                                        <p:strVal val="visible"/>
-                                      </p:to>
-                                    </p:set>
-                                    <p:animEffect transition="in" filter="fade">
-                                      <p:cBhvr>
-                                        <p:cTn id="37" dur="1000"/>
-                                        <p:tgtEl>
-                                          <p:spTgt spid="9"/>
-                                        </p:tgtEl>
-                                      </p:cBhvr>
-                                    </p:animEffect>
-                                    <p:anim calcmode="lin" valueType="num">
-                                      <p:cBhvr>
-                                        <p:cTn id="38" dur="1000" fill="hold"/>
-                                        <p:tgtEl>
-                                          <p:spTgt spid="9"/>
-                                        </p:tgtEl>
-                                        <p:attrNameLst>
-                                          <p:attrName>ppt_x</p:attrName>
-                                        </p:attrNameLst>
-                                      </p:cBhvr>
-                                      <p:tavLst>
-                                        <p:tav tm="0">
-                                          <p:val>
-                                            <p:strVal val="#ppt_x"/>
-                                          </p:val>
-                                        </p:tav>
-                                        <p:tav tm="100000">
-                                          <p:val>
-                                            <p:strVal val="#ppt_x"/>
-                                          </p:val>
-                                        </p:tav>
-                                      </p:tavLst>
-                                    </p:anim>
-                                    <p:anim calcmode="lin" valueType="num">
-                                      <p:cBhvr>
-                                        <p:cTn id="39" dur="1000" fill="hold"/>
-                                        <p:tgtEl>
-                                          <p:spTgt spid="9"/>
-                                        </p:tgtEl>
-                                        <p:attrNameLst>
-                                          <p:attrName>ppt_y</p:attrName>
-                                        </p:attrNameLst>
-                                      </p:cBhvr>
-                                      <p:tavLst>
-                                        <p:tav tm="0">
-                                          <p:val>
-                                            <p:strVal val="#ppt_y+.1"/>
-                                          </p:val>
-                                        </p:tav>
-                                        <p:tav tm="100000">
-                                          <p:val>
-                                            <p:strVal val="#ppt_y"/>
-                                          </p:val>
-                                        </p:tav>
-                                      </p:tavLst>
-                                    </p:anim>
-                                  </p:childTnLst>
-                                </p:cTn>
-                              </p:par>
-                            </p:childTnLst>
-                          </p:cTn>
-                        </p:par>
-                      </p:childTnLst>
-                    </p:cTn>
-                  </p:par>
-                </p:childTnLst>
-              </p:cTn>
-              <p:prevCondLst>
-                <p:cond evt="onPrev" delay="0">
-                  <p:tgtEl>
-                    <p:sldTgt/>
-                  </p:tgtEl>
-                </p:cond>
-              </p:prevCondLst>
-              <p:nextCondLst>
-                <p:cond evt="onNext" delay="0">
-                  <p:tgtEl>
-                    <p:sldTgt/>
-                  </p:tgtEl>
-                </p:cond>
-              </p:nextCondLst>
-            </p:seq>
-          </p:childTnLst>
-        </p:cTn>
+        <p:cTn id="1" dur="indefinite" restart="never" nodeType="tmRoot"/>
       </p:par>
     </p:tnLst>
-    <p:bldLst>
-      <p:bldP spid="7" grpId="0"/>
-      <p:bldP spid="8" grpId="0" animBg="1"/>
-      <p:bldP spid="18" grpId="0"/>
-    </p:bldLst>
   </p:timing>
 </p:sld>
 </file>
@@ -19297,13 +19365,13 @@
   <p:clrMapOvr>
     <a:masterClrMapping/>
   </p:clrMapOvr>
-  <mc:AlternateContent xmlns:mc="http://schemas.openxmlformats.org/markup-compatibility/2006" xmlns:p159="http://schemas.microsoft.com/office/powerpoint/2015/09/main">
-    <mc:Choice Requires="p159">
+  <mc:AlternateContent xmlns:mc="http://schemas.openxmlformats.org/markup-compatibility/2006">
+    <mc:Choice xmlns:p159="http://schemas.microsoft.com/office/powerpoint/2015/09/main" xmlns="" Requires="p159">
       <p:transition xmlns:p14="http://schemas.microsoft.com/office/powerpoint/2010/main" spd="slow" p14:dur="2000">
         <p159:morph option="byObject"/>
       </p:transition>
     </mc:Choice>
-    <mc:Fallback xmlns="">
+    <mc:Fallback>
       <p:transition spd="slow">
         <p:fade/>
       </p:transition>
@@ -19623,7 +19691,7 @@
           <a:blip r:embed="rId2">
             <a:extLst>
               <a:ext uri="{96DAC541-7B7A-43D3-8B79-37D633B846F1}">
-                <asvg:svgBlip xmlns:asvg="http://schemas.microsoft.com/office/drawing/2016/SVG/main" r:embed="rId3"/>
+                <asvg:svgBlip xmlns:asvg="http://schemas.microsoft.com/office/drawing/2016/SVG/main" xmlns="" r:embed="rId3"/>
               </a:ext>
             </a:extLst>
           </a:blip>
@@ -20409,13 +20477,13 @@
   <p:clrMapOvr>
     <a:masterClrMapping/>
   </p:clrMapOvr>
-  <mc:AlternateContent xmlns:mc="http://schemas.openxmlformats.org/markup-compatibility/2006" xmlns:p159="http://schemas.microsoft.com/office/powerpoint/2015/09/main">
-    <mc:Choice Requires="p159">
+  <mc:AlternateContent xmlns:mc="http://schemas.openxmlformats.org/markup-compatibility/2006">
+    <mc:Choice xmlns:p159="http://schemas.microsoft.com/office/powerpoint/2015/09/main" xmlns="" Requires="p159">
       <p:transition xmlns:p14="http://schemas.microsoft.com/office/powerpoint/2010/main" spd="slow" p14:dur="2000">
         <p159:morph option="byObject"/>
       </p:transition>
     </mc:Choice>
-    <mc:Fallback xmlns="">
+    <mc:Fallback>
       <p:transition spd="slow">
         <p:fade/>
       </p:transition>
